--- a/Presentazione/PROGETTO 2.pptx
+++ b/Presentazione/PROGETTO 2.pptx
@@ -6,13 +6,12 @@
   </p:sldMasterIdLst>
   <p:sldIdLst>
     <p:sldId id="256" r:id="rId2"/>
-    <p:sldId id="257" r:id="rId3"/>
-    <p:sldId id="258" r:id="rId4"/>
-    <p:sldId id="259" r:id="rId5"/>
-    <p:sldId id="261" r:id="rId6"/>
-    <p:sldId id="262" r:id="rId7"/>
-    <p:sldId id="263" r:id="rId8"/>
-    <p:sldId id="264" r:id="rId9"/>
+    <p:sldId id="258" r:id="rId3"/>
+    <p:sldId id="259" r:id="rId4"/>
+    <p:sldId id="261" r:id="rId5"/>
+    <p:sldId id="262" r:id="rId6"/>
+    <p:sldId id="263" r:id="rId7"/>
+    <p:sldId id="264" r:id="rId8"/>
   </p:sldIdLst>
   <p:sldSz cx="12192000" cy="6858000"/>
   <p:notesSz cx="6858000" cy="9144000"/>
@@ -111,6 +110,11 @@
       </a:defRPr>
     </a:lvl9pPr>
   </p:defaultTextStyle>
+  <p:extLst>
+    <p:ext uri="{EFAFB233-063F-42B5-8137-9DF3F51BA10A}">
+      <p15:sldGuideLst xmlns:p15="http://schemas.microsoft.com/office/powerpoint/2012/main"/>
+    </p:ext>
+  </p:extLst>
 </p:presentation>
 </file>
 
@@ -245,7 +249,7 @@
           <a:p>
             <a:fld id="{03958766-373D-4E5B-8F66-8490B501128F}" type="datetimeFigureOut">
               <a:rPr lang="it-CH" smtClean="0"/>
-              <a:t>07.02.2019</a:t>
+              <a:t>08.02.2019</a:t>
             </a:fld>
             <a:endParaRPr lang="it-CH"/>
           </a:p>
@@ -415,7 +419,7 @@
           <a:p>
             <a:fld id="{03958766-373D-4E5B-8F66-8490B501128F}" type="datetimeFigureOut">
               <a:rPr lang="it-CH" smtClean="0"/>
-              <a:t>07.02.2019</a:t>
+              <a:t>08.02.2019</a:t>
             </a:fld>
             <a:endParaRPr lang="it-CH"/>
           </a:p>
@@ -595,7 +599,7 @@
           <a:p>
             <a:fld id="{03958766-373D-4E5B-8F66-8490B501128F}" type="datetimeFigureOut">
               <a:rPr lang="it-CH" smtClean="0"/>
-              <a:t>07.02.2019</a:t>
+              <a:t>08.02.2019</a:t>
             </a:fld>
             <a:endParaRPr lang="it-CH"/>
           </a:p>
@@ -765,7 +769,7 @@
           <a:p>
             <a:fld id="{03958766-373D-4E5B-8F66-8490B501128F}" type="datetimeFigureOut">
               <a:rPr lang="it-CH" smtClean="0"/>
-              <a:t>07.02.2019</a:t>
+              <a:t>08.02.2019</a:t>
             </a:fld>
             <a:endParaRPr lang="it-CH"/>
           </a:p>
@@ -1011,7 +1015,7 @@
           <a:p>
             <a:fld id="{03958766-373D-4E5B-8F66-8490B501128F}" type="datetimeFigureOut">
               <a:rPr lang="it-CH" smtClean="0"/>
-              <a:t>07.02.2019</a:t>
+              <a:t>08.02.2019</a:t>
             </a:fld>
             <a:endParaRPr lang="it-CH"/>
           </a:p>
@@ -1243,7 +1247,7 @@
           <a:p>
             <a:fld id="{03958766-373D-4E5B-8F66-8490B501128F}" type="datetimeFigureOut">
               <a:rPr lang="it-CH" smtClean="0"/>
-              <a:t>07.02.2019</a:t>
+              <a:t>08.02.2019</a:t>
             </a:fld>
             <a:endParaRPr lang="it-CH"/>
           </a:p>
@@ -1610,7 +1614,7 @@
           <a:p>
             <a:fld id="{03958766-373D-4E5B-8F66-8490B501128F}" type="datetimeFigureOut">
               <a:rPr lang="it-CH" smtClean="0"/>
-              <a:t>07.02.2019</a:t>
+              <a:t>08.02.2019</a:t>
             </a:fld>
             <a:endParaRPr lang="it-CH"/>
           </a:p>
@@ -1728,7 +1732,7 @@
           <a:p>
             <a:fld id="{03958766-373D-4E5B-8F66-8490B501128F}" type="datetimeFigureOut">
               <a:rPr lang="it-CH" smtClean="0"/>
-              <a:t>07.02.2019</a:t>
+              <a:t>08.02.2019</a:t>
             </a:fld>
             <a:endParaRPr lang="it-CH"/>
           </a:p>
@@ -1823,7 +1827,7 @@
           <a:p>
             <a:fld id="{03958766-373D-4E5B-8F66-8490B501128F}" type="datetimeFigureOut">
               <a:rPr lang="it-CH" smtClean="0"/>
-              <a:t>07.02.2019</a:t>
+              <a:t>08.02.2019</a:t>
             </a:fld>
             <a:endParaRPr lang="it-CH"/>
           </a:p>
@@ -2100,7 +2104,7 @@
           <a:p>
             <a:fld id="{03958766-373D-4E5B-8F66-8490B501128F}" type="datetimeFigureOut">
               <a:rPr lang="it-CH" smtClean="0"/>
-              <a:t>07.02.2019</a:t>
+              <a:t>08.02.2019</a:t>
             </a:fld>
             <a:endParaRPr lang="it-CH"/>
           </a:p>
@@ -2357,7 +2361,7 @@
           <a:p>
             <a:fld id="{03958766-373D-4E5B-8F66-8490B501128F}" type="datetimeFigureOut">
               <a:rPr lang="it-CH" smtClean="0"/>
-              <a:t>07.02.2019</a:t>
+              <a:t>08.02.2019</a:t>
             </a:fld>
             <a:endParaRPr lang="it-CH"/>
           </a:p>
@@ -2570,7 +2574,7 @@
           <a:p>
             <a:fld id="{03958766-373D-4E5B-8F66-8490B501128F}" type="datetimeFigureOut">
               <a:rPr lang="it-CH" smtClean="0"/>
-              <a:t>07.02.2019</a:t>
+              <a:t>08.02.2019</a:t>
             </a:fld>
             <a:endParaRPr lang="it-CH"/>
           </a:p>
@@ -3131,7 +3135,7 @@
           <a:p>
             <a:r>
               <a:rPr lang="it-CH" dirty="0" smtClean="0"/>
-              <a:t>Vantaggi dell’uso di librerie</a:t>
+              <a:t>Perché usare il nostro prodotto?</a:t>
             </a:r>
             <a:endParaRPr lang="it-CH" dirty="0"/>
           </a:p>
@@ -3153,32 +3157,28 @@
           <a:lstStyle/>
           <a:p>
             <a:r>
-              <a:rPr lang="it-CH" dirty="0" smtClean="0"/>
+              <a:rPr lang="it-CH" dirty="0"/>
               <a:t>Codici facili da capire</a:t>
             </a:r>
           </a:p>
           <a:p>
             <a:r>
-              <a:rPr lang="it-CH" dirty="0" smtClean="0"/>
+              <a:rPr lang="it-CH" dirty="0"/>
               <a:t>Codici veloci da implementare</a:t>
             </a:r>
-            <a:endParaRPr lang="it-CH" dirty="0" smtClean="0"/>
-          </a:p>
-          <a:p>
-            <a:r>
-              <a:rPr lang="it-CH" dirty="0" smtClean="0"/>
+          </a:p>
+          <a:p>
+            <a:r>
+              <a:rPr lang="it-CH" dirty="0"/>
               <a:t>Guida già pronta</a:t>
             </a:r>
-          </a:p>
-          <a:p>
-            <a:endParaRPr lang="it-CH" dirty="0"/>
           </a:p>
         </p:txBody>
       </p:sp>
     </p:spTree>
     <p:extLst>
       <p:ext uri="{BB962C8B-B14F-4D97-AF65-F5344CB8AC3E}">
-        <p14:creationId xmlns:p14="http://schemas.microsoft.com/office/powerpoint/2010/main" val="2408344994"/>
+        <p14:creationId xmlns:p14="http://schemas.microsoft.com/office/powerpoint/2010/main" val="3673752420"/>
       </p:ext>
     </p:extLst>
   </p:cSld>
@@ -3229,7 +3229,7 @@
           <a:p>
             <a:r>
               <a:rPr lang="it-CH" dirty="0" smtClean="0"/>
-              <a:t>Perché usare il nostro prodotto?</a:t>
+              <a:t>Requisiti</a:t>
             </a:r>
             <a:endParaRPr lang="it-CH" dirty="0"/>
           </a:p>
@@ -3252,7 +3252,25 @@
           <a:p>
             <a:r>
               <a:rPr lang="it-CH" dirty="0" smtClean="0"/>
-              <a:t>Permette </a:t>
+              <a:t>Tre attuatori composti da sei librerie</a:t>
+            </a:r>
+          </a:p>
+          <a:p>
+            <a:r>
+              <a:rPr lang="it-CH" dirty="0" smtClean="0"/>
+              <a:t>Una libreria per ogni componente</a:t>
+            </a:r>
+          </a:p>
+          <a:p>
+            <a:r>
+              <a:rPr lang="it-CH" dirty="0" smtClean="0"/>
+              <a:t>Tre esempi per ogni attuatore</a:t>
+            </a:r>
+          </a:p>
+          <a:p>
+            <a:r>
+              <a:rPr lang="it-CH" dirty="0" smtClean="0"/>
+              <a:t>Una guida completa</a:t>
             </a:r>
             <a:endParaRPr lang="it-CH" dirty="0"/>
           </a:p>
@@ -3261,7 +3279,7 @@
     </p:spTree>
     <p:extLst>
       <p:ext uri="{BB962C8B-B14F-4D97-AF65-F5344CB8AC3E}">
-        <p14:creationId xmlns:p14="http://schemas.microsoft.com/office/powerpoint/2010/main" val="3673752420"/>
+        <p14:creationId xmlns:p14="http://schemas.microsoft.com/office/powerpoint/2010/main" val="3704204530"/>
       </p:ext>
     </p:extLst>
   </p:cSld>
@@ -3312,7 +3330,7 @@
           <a:p>
             <a:r>
               <a:rPr lang="it-CH" dirty="0" smtClean="0"/>
-              <a:t>Requisiti</a:t>
+              <a:t>Consuntivo</a:t>
             </a:r>
             <a:endParaRPr lang="it-CH" dirty="0"/>
           </a:p>
@@ -3333,36 +3351,14 @@
           <a:bodyPr/>
           <a:lstStyle/>
           <a:p>
-            <a:r>
-              <a:rPr lang="it-CH" dirty="0" smtClean="0"/>
-              <a:t>Tre attuatori composti da sei librerie</a:t>
-            </a:r>
-          </a:p>
-          <a:p>
-            <a:r>
-              <a:rPr lang="it-CH" dirty="0" smtClean="0"/>
-              <a:t>Una libreria per ogni componente</a:t>
-            </a:r>
-          </a:p>
-          <a:p>
-            <a:r>
-              <a:rPr lang="it-CH" dirty="0" smtClean="0"/>
-              <a:t>Tre esempi per ogni attuatore</a:t>
-            </a:r>
-          </a:p>
-          <a:p>
-            <a:r>
-              <a:rPr lang="it-CH" dirty="0" smtClean="0"/>
-              <a:t>Una guida completa</a:t>
-            </a:r>
-            <a:endParaRPr lang="it-CH" dirty="0"/>
+            <a:endParaRPr lang="it-CH"/>
           </a:p>
         </p:txBody>
       </p:sp>
     </p:spTree>
     <p:extLst>
       <p:ext uri="{BB962C8B-B14F-4D97-AF65-F5344CB8AC3E}">
-        <p14:creationId xmlns:p14="http://schemas.microsoft.com/office/powerpoint/2010/main" val="3704204530"/>
+        <p14:creationId xmlns:p14="http://schemas.microsoft.com/office/powerpoint/2010/main" val="1531938849"/>
       </p:ext>
     </p:extLst>
   </p:cSld>
@@ -3413,7 +3409,7 @@
           <a:p>
             <a:r>
               <a:rPr lang="it-CH" dirty="0" smtClean="0"/>
-              <a:t>Consuntivo</a:t>
+              <a:t>Implementazione</a:t>
             </a:r>
             <a:endParaRPr lang="it-CH" dirty="0"/>
           </a:p>
@@ -3434,14 +3430,14 @@
           <a:bodyPr/>
           <a:lstStyle/>
           <a:p>
-            <a:endParaRPr lang="it-CH"/>
+            <a:endParaRPr lang="it-CH" dirty="0"/>
           </a:p>
         </p:txBody>
       </p:sp>
     </p:spTree>
     <p:extLst>
       <p:ext uri="{BB962C8B-B14F-4D97-AF65-F5344CB8AC3E}">
-        <p14:creationId xmlns:p14="http://schemas.microsoft.com/office/powerpoint/2010/main" val="1531938849"/>
+        <p14:creationId xmlns:p14="http://schemas.microsoft.com/office/powerpoint/2010/main" val="3434216487"/>
       </p:ext>
     </p:extLst>
   </p:cSld>
@@ -3492,85 +3488,6 @@
           <a:p>
             <a:r>
               <a:rPr lang="it-CH" dirty="0" smtClean="0"/>
-              <a:t>Implementazione</a:t>
-            </a:r>
-            <a:endParaRPr lang="it-CH" dirty="0"/>
-          </a:p>
-        </p:txBody>
-      </p:sp>
-      <p:sp>
-        <p:nvSpPr>
-          <p:cNvPr id="3" name="Segnaposto contenuto 2"/>
-          <p:cNvSpPr>
-            <a:spLocks noGrp="1"/>
-          </p:cNvSpPr>
-          <p:nvPr>
-            <p:ph idx="1"/>
-          </p:nvPr>
-        </p:nvSpPr>
-        <p:spPr/>
-        <p:txBody>
-          <a:bodyPr/>
-          <a:lstStyle/>
-          <a:p>
-            <a:endParaRPr lang="it-CH" dirty="0"/>
-          </a:p>
-        </p:txBody>
-      </p:sp>
-    </p:spTree>
-    <p:extLst>
-      <p:ext uri="{BB962C8B-B14F-4D97-AF65-F5344CB8AC3E}">
-        <p14:creationId xmlns:p14="http://schemas.microsoft.com/office/powerpoint/2010/main" val="3434216487"/>
-      </p:ext>
-    </p:extLst>
-  </p:cSld>
-  <p:clrMapOvr>
-    <a:masterClrMapping/>
-  </p:clrMapOvr>
-  <p:timing>
-    <p:tnLst>
-      <p:par>
-        <p:cTn id="1" dur="indefinite" restart="never" nodeType="tmRoot"/>
-      </p:par>
-    </p:tnLst>
-  </p:timing>
-</p:sld>
-</file>
-
-<file path=ppt/slides/slide7.xml><?xml version="1.0" encoding="utf-8"?>
-<p:sld xmlns:a="http://schemas.openxmlformats.org/drawingml/2006/main" xmlns:r="http://schemas.openxmlformats.org/officeDocument/2006/relationships" xmlns:p="http://schemas.openxmlformats.org/presentationml/2006/main">
-  <p:cSld>
-    <p:spTree>
-      <p:nvGrpSpPr>
-        <p:cNvPr id="1" name=""/>
-        <p:cNvGrpSpPr/>
-        <p:nvPr/>
-      </p:nvGrpSpPr>
-      <p:grpSpPr>
-        <a:xfrm>
-          <a:off x="0" y="0"/>
-          <a:ext cx="0" cy="0"/>
-          <a:chOff x="0" y="0"/>
-          <a:chExt cx="0" cy="0"/>
-        </a:xfrm>
-      </p:grpSpPr>
-      <p:sp>
-        <p:nvSpPr>
-          <p:cNvPr id="2" name="Titolo 1"/>
-          <p:cNvSpPr>
-            <a:spLocks noGrp="1"/>
-          </p:cNvSpPr>
-          <p:nvPr>
-            <p:ph type="title"/>
-          </p:nvPr>
-        </p:nvSpPr>
-        <p:spPr/>
-        <p:txBody>
-          <a:bodyPr/>
-          <a:lstStyle/>
-          <a:p>
-            <a:r>
-              <a:rPr lang="it-CH" dirty="0" smtClean="0"/>
               <a:t>Test svolti</a:t>
             </a:r>
             <a:endParaRPr lang="it-CH" dirty="0"/>
@@ -3616,7 +3533,7 @@
 </p:sld>
 </file>
 
-<file path=ppt/slides/slide8.xml><?xml version="1.0" encoding="utf-8"?>
+<file path=ppt/slides/slide7.xml><?xml version="1.0" encoding="utf-8"?>
 <p:sld xmlns:a="http://schemas.openxmlformats.org/drawingml/2006/main" xmlns:r="http://schemas.openxmlformats.org/officeDocument/2006/relationships" xmlns:p="http://schemas.openxmlformats.org/presentationml/2006/main">
   <p:cSld>
     <p:spTree>

--- a/Presentazione/PROGETTO 2.pptx
+++ b/Presentazione/PROGETTO 2.pptx
@@ -11,16 +11,12 @@
     <p:sldId id="259" r:id="rId5"/>
     <p:sldId id="261" r:id="rId6"/>
     <p:sldId id="266" r:id="rId7"/>
-    <p:sldId id="268" r:id="rId8"/>
-    <p:sldId id="269" r:id="rId9"/>
-    <p:sldId id="270" r:id="rId10"/>
-    <p:sldId id="271" r:id="rId11"/>
-    <p:sldId id="272" r:id="rId12"/>
-    <p:sldId id="273" r:id="rId13"/>
-    <p:sldId id="274" r:id="rId14"/>
-    <p:sldId id="263" r:id="rId15"/>
-    <p:sldId id="275" r:id="rId16"/>
-    <p:sldId id="264" r:id="rId17"/>
+    <p:sldId id="269" r:id="rId8"/>
+    <p:sldId id="276" r:id="rId9"/>
+    <p:sldId id="274" r:id="rId10"/>
+    <p:sldId id="263" r:id="rId11"/>
+    <p:sldId id="275" r:id="rId12"/>
+    <p:sldId id="264" r:id="rId13"/>
   </p:sldIdLst>
   <p:sldSz cx="12192000" cy="6858000"/>
   <p:notesSz cx="6858000" cy="9144000"/>
@@ -13316,11 +13312,7 @@
           <a:p>
             <a:r>
               <a:rPr lang="it-CH" dirty="0" smtClean="0"/>
-              <a:t>Librerie </a:t>
-            </a:r>
-            <a:r>
-              <a:rPr lang="it-CH" dirty="0" smtClean="0"/>
-              <a:t>per Arduino </a:t>
+              <a:t>Librerie per Arduino </a:t>
             </a:r>
             <a:r>
               <a:rPr lang="it-CH" dirty="0" err="1" smtClean="0"/>
@@ -13352,13 +13344,13 @@
   <p:clrMapOvr>
     <a:masterClrMapping/>
   </p:clrMapOvr>
-  <mc:AlternateContent xmlns:mc="http://schemas.openxmlformats.org/markup-compatibility/2006">
-    <mc:Choice xmlns:p14="http://schemas.microsoft.com/office/powerpoint/2010/main" Requires="p14">
+  <mc:AlternateContent xmlns:mc="http://schemas.openxmlformats.org/markup-compatibility/2006" xmlns:p14="http://schemas.microsoft.com/office/powerpoint/2010/main">
+    <mc:Choice Requires="p14">
       <p:transition spd="med" p14:dur="700">
         <p:fade/>
       </p:transition>
     </mc:Choice>
-    <mc:Fallback>
+    <mc:Fallback xmlns="">
       <p:transition spd="med">
         <p:fade/>
       </p:transition>
@@ -13408,9 +13400,9 @@
           <a:p>
             <a:r>
               <a:rPr lang="it-CH" dirty="0" smtClean="0"/>
-              <a:t>Libreria Bottone</a:t>
-            </a:r>
-            <a:endParaRPr lang="en-US" dirty="0"/>
+              <a:t>Test</a:t>
+            </a:r>
+            <a:endParaRPr lang="it-CH" dirty="0"/>
           </a:p>
         </p:txBody>
       </p:sp>
@@ -13424,307 +13416,29 @@
             <p:ph idx="1"/>
           </p:nvPr>
         </p:nvSpPr>
-        <p:spPr>
-          <a:xfrm>
-            <a:off x="1154954" y="2317315"/>
-            <a:ext cx="8825659" cy="3920647"/>
-          </a:xfrm>
-        </p:spPr>
+        <p:spPr/>
         <p:txBody>
-          <a:bodyPr>
-            <a:normAutofit/>
-          </a:bodyPr>
+          <a:bodyPr/>
           <a:lstStyle/>
           <a:p>
-            <a:pPr lvl="0"/>
-            <a:r>
-              <a:rPr lang="it-IT" dirty="0"/>
-              <a:t>6</a:t>
-            </a:r>
-            <a:r>
-              <a:rPr lang="it-IT" dirty="0" smtClean="0"/>
-              <a:t> </a:t>
-            </a:r>
-            <a:r>
-              <a:rPr lang="it-IT" dirty="0"/>
-              <a:t>attributi</a:t>
-            </a:r>
-            <a:r>
-              <a:rPr lang="it-IT" dirty="0" smtClean="0"/>
-              <a:t>:</a:t>
-            </a:r>
-          </a:p>
-          <a:p>
-            <a:pPr lvl="1"/>
-            <a:r>
-              <a:rPr lang="it-IT" dirty="0">
-                <a:solidFill>
-                  <a:srgbClr val="0000FF"/>
-                </a:solidFill>
-              </a:rPr>
-              <a:t>i</a:t>
-            </a:r>
-            <a:r>
-              <a:rPr lang="it-IT" dirty="0" smtClean="0">
-                <a:solidFill>
-                  <a:srgbClr val="0000FF"/>
-                </a:solidFill>
-              </a:rPr>
-              <a:t>nt</a:t>
-            </a:r>
-            <a:r>
-              <a:rPr lang="it-IT" dirty="0" smtClean="0"/>
-              <a:t> </a:t>
-            </a:r>
-            <a:r>
-              <a:rPr lang="it-IT" dirty="0" err="1" smtClean="0"/>
-              <a:t>button</a:t>
-            </a:r>
-            <a:r>
-              <a:rPr lang="it-IT" dirty="0" smtClean="0"/>
-              <a:t>;</a:t>
-            </a:r>
-          </a:p>
-          <a:p>
-            <a:pPr lvl="1"/>
-            <a:r>
-              <a:rPr lang="it-IT" dirty="0" err="1" smtClean="0">
-                <a:solidFill>
-                  <a:srgbClr val="0000FF"/>
-                </a:solidFill>
-              </a:rPr>
-              <a:t>boolean</a:t>
-            </a:r>
-            <a:r>
-              <a:rPr lang="it-IT" dirty="0" smtClean="0"/>
-              <a:t> </a:t>
-            </a:r>
-            <a:r>
-              <a:rPr lang="it-IT" dirty="0" err="1" smtClean="0"/>
-              <a:t>state_button</a:t>
-            </a:r>
-            <a:r>
-              <a:rPr lang="it-IT" dirty="0" smtClean="0"/>
-              <a:t>;</a:t>
-            </a:r>
-          </a:p>
-          <a:p>
-            <a:pPr lvl="1"/>
-            <a:r>
-              <a:rPr lang="it-IT" dirty="0" err="1">
-                <a:solidFill>
-                  <a:srgbClr val="0000FF"/>
-                </a:solidFill>
-              </a:rPr>
-              <a:t>unsigned</a:t>
-            </a:r>
-            <a:r>
-              <a:rPr lang="it-IT" dirty="0"/>
-              <a:t> </a:t>
-            </a:r>
-            <a:r>
-              <a:rPr lang="it-IT" dirty="0">
-                <a:solidFill>
-                  <a:srgbClr val="0000FF"/>
-                </a:solidFill>
-              </a:rPr>
-              <a:t>long</a:t>
-            </a:r>
-            <a:r>
-              <a:rPr lang="it-IT" dirty="0"/>
-              <a:t> </a:t>
-            </a:r>
-            <a:r>
-              <a:rPr lang="it-IT" dirty="0" err="1"/>
-              <a:t>lastDebounceTime</a:t>
-            </a:r>
-            <a:r>
-              <a:rPr lang="it-IT" dirty="0" smtClean="0"/>
-              <a:t>;</a:t>
-            </a:r>
-            <a:r>
-              <a:rPr lang="it-IT" dirty="0"/>
-              <a:t> </a:t>
-            </a:r>
-            <a:endParaRPr lang="it-IT" dirty="0" smtClean="0"/>
-          </a:p>
-          <a:p>
-            <a:pPr lvl="1"/>
-            <a:r>
-              <a:rPr lang="it-IT" dirty="0" err="1" smtClean="0">
-                <a:solidFill>
-                  <a:srgbClr val="0000FF"/>
-                </a:solidFill>
-              </a:rPr>
-              <a:t>unsigned</a:t>
-            </a:r>
-            <a:r>
-              <a:rPr lang="it-IT" dirty="0" smtClean="0"/>
-              <a:t> </a:t>
-            </a:r>
-            <a:r>
-              <a:rPr lang="it-IT" dirty="0">
-                <a:solidFill>
-                  <a:srgbClr val="0000FF"/>
-                </a:solidFill>
-              </a:rPr>
-              <a:t>long</a:t>
-            </a:r>
-            <a:r>
-              <a:rPr lang="it-IT" dirty="0"/>
-              <a:t> </a:t>
-            </a:r>
-            <a:r>
-              <a:rPr lang="it-IT" dirty="0" err="1" smtClean="0"/>
-              <a:t>debounceDelay</a:t>
-            </a:r>
-            <a:r>
-              <a:rPr lang="it-IT" dirty="0" smtClean="0"/>
-              <a:t>;</a:t>
-            </a:r>
-          </a:p>
-          <a:p>
-            <a:pPr lvl="1"/>
-            <a:r>
-              <a:rPr lang="it-IT" dirty="0" err="1">
-                <a:solidFill>
-                  <a:srgbClr val="0000FF"/>
-                </a:solidFill>
-              </a:rPr>
-              <a:t>b</a:t>
-            </a:r>
-            <a:r>
-              <a:rPr lang="it-IT" dirty="0" err="1" smtClean="0">
-                <a:solidFill>
-                  <a:srgbClr val="0000FF"/>
-                </a:solidFill>
-              </a:rPr>
-              <a:t>oolean</a:t>
-            </a:r>
-            <a:r>
-              <a:rPr lang="it-IT" dirty="0" smtClean="0"/>
-              <a:t> state;</a:t>
-            </a:r>
-            <a:endParaRPr lang="en-US" dirty="0"/>
-          </a:p>
-          <a:p>
-            <a:pPr lvl="0"/>
-            <a:r>
-              <a:rPr lang="it-IT" dirty="0"/>
-              <a:t>3</a:t>
-            </a:r>
-            <a:r>
-              <a:rPr lang="it-IT" dirty="0" smtClean="0"/>
-              <a:t> </a:t>
-            </a:r>
-            <a:r>
-              <a:rPr lang="it-IT" dirty="0"/>
-              <a:t>metodi: </a:t>
-            </a:r>
-            <a:endParaRPr lang="en-US" dirty="0"/>
-          </a:p>
-          <a:p>
-            <a:pPr lvl="1"/>
-            <a:r>
-              <a:rPr lang="en-US" dirty="0">
-                <a:solidFill>
-                  <a:srgbClr val="0000FF"/>
-                </a:solidFill>
-              </a:rPr>
-              <a:t>v</a:t>
-            </a:r>
-            <a:r>
-              <a:rPr lang="en-US" dirty="0" smtClean="0">
-                <a:solidFill>
-                  <a:srgbClr val="0000FF"/>
-                </a:solidFill>
-              </a:rPr>
-              <a:t>oid</a:t>
-            </a:r>
-            <a:r>
-              <a:rPr lang="en-US" dirty="0" smtClean="0"/>
-              <a:t> </a:t>
-            </a:r>
-            <a:r>
-              <a:rPr lang="en-US" dirty="0" err="1" smtClean="0"/>
-              <a:t>setButtonPin</a:t>
-            </a:r>
-            <a:r>
-              <a:rPr lang="en-US" dirty="0" smtClean="0"/>
-              <a:t>(</a:t>
-            </a:r>
-            <a:r>
-              <a:rPr lang="en-US" dirty="0" smtClean="0">
-                <a:solidFill>
-                  <a:srgbClr val="0000FF"/>
-                </a:solidFill>
-              </a:rPr>
-              <a:t>int</a:t>
-            </a:r>
-            <a:r>
-              <a:rPr lang="en-US" dirty="0" smtClean="0"/>
-              <a:t> </a:t>
-            </a:r>
-            <a:r>
-              <a:rPr lang="en-US" dirty="0" err="1" smtClean="0">
-                <a:solidFill>
-                  <a:srgbClr val="008000"/>
-                </a:solidFill>
-              </a:rPr>
-              <a:t>buttonPort</a:t>
-            </a:r>
-            <a:r>
-              <a:rPr lang="en-US" dirty="0" smtClean="0"/>
-              <a:t>);</a:t>
-            </a:r>
-            <a:endParaRPr lang="en-US" dirty="0"/>
-          </a:p>
-          <a:p>
-            <a:pPr lvl="1"/>
-            <a:r>
-              <a:rPr lang="en-US" dirty="0" err="1" smtClean="0">
-                <a:solidFill>
-                  <a:srgbClr val="0000FF"/>
-                </a:solidFill>
-              </a:rPr>
-              <a:t>boolean</a:t>
-            </a:r>
-            <a:r>
-              <a:rPr lang="en-US" dirty="0" smtClean="0"/>
-              <a:t> </a:t>
-            </a:r>
-            <a:r>
-              <a:rPr lang="en-US" dirty="0" err="1" smtClean="0"/>
-              <a:t>getStateButton</a:t>
-            </a:r>
-            <a:r>
-              <a:rPr lang="en-US" dirty="0" smtClean="0"/>
-              <a:t>();</a:t>
-            </a:r>
-            <a:endParaRPr lang="en-US" dirty="0"/>
-          </a:p>
-          <a:p>
-            <a:pPr lvl="1"/>
-            <a:r>
-              <a:rPr lang="en-US" dirty="0" err="1" smtClean="0">
-                <a:solidFill>
-                  <a:srgbClr val="0000FF"/>
-                </a:solidFill>
-              </a:rPr>
-              <a:t>boolean</a:t>
-            </a:r>
-            <a:r>
-              <a:rPr lang="en-US" dirty="0" smtClean="0"/>
-              <a:t> toggle();</a:t>
-            </a:r>
-            <a:endParaRPr lang="en-US" dirty="0"/>
+            <a:r>
+              <a:rPr lang="it-CH" dirty="0" smtClean="0"/>
+              <a:t>Metodi delle librerie;</a:t>
+            </a:r>
+          </a:p>
+          <a:p>
+            <a:r>
+              <a:rPr lang="it-CH" dirty="0" smtClean="0"/>
+              <a:t>Esempi di implementazione;</a:t>
+            </a:r>
+            <a:endParaRPr lang="it-CH" dirty="0"/>
           </a:p>
         </p:txBody>
       </p:sp>
     </p:spTree>
     <p:extLst>
       <p:ext uri="{BB962C8B-B14F-4D97-AF65-F5344CB8AC3E}">
-        <p14:creationId xmlns:p14="http://schemas.microsoft.com/office/powerpoint/2010/main" val="956195704"/>
+        <p14:creationId xmlns:p14="http://schemas.microsoft.com/office/powerpoint/2010/main" val="473207811"/>
       </p:ext>
     </p:extLst>
   </p:cSld>
@@ -13765,756 +13479,6 @@
             <a:spLocks noGrp="1"/>
           </p:cNvSpPr>
           <p:nvPr>
-            <p:ph type="title"/>
-          </p:nvPr>
-        </p:nvSpPr>
-        <p:spPr/>
-        <p:txBody>
-          <a:bodyPr/>
-          <a:lstStyle/>
-          <a:p>
-            <a:r>
-              <a:rPr lang="it-CH" dirty="0" smtClean="0"/>
-              <a:t>Libreria Potenziometro</a:t>
-            </a:r>
-            <a:endParaRPr lang="en-US" dirty="0"/>
-          </a:p>
-        </p:txBody>
-      </p:sp>
-      <p:sp>
-        <p:nvSpPr>
-          <p:cNvPr id="3" name="Segnaposto contenuto 2"/>
-          <p:cNvSpPr>
-            <a:spLocks noGrp="1"/>
-          </p:cNvSpPr>
-          <p:nvPr>
-            <p:ph idx="1"/>
-          </p:nvPr>
-        </p:nvSpPr>
-        <p:spPr>
-          <a:xfrm>
-            <a:off x="1154954" y="2317315"/>
-            <a:ext cx="8825659" cy="3920647"/>
-          </a:xfrm>
-        </p:spPr>
-        <p:txBody>
-          <a:bodyPr>
-            <a:normAutofit/>
-          </a:bodyPr>
-          <a:lstStyle/>
-          <a:p>
-            <a:pPr lvl="0"/>
-            <a:r>
-              <a:rPr lang="it-IT" dirty="0"/>
-              <a:t>2</a:t>
-            </a:r>
-            <a:r>
-              <a:rPr lang="it-IT" dirty="0" smtClean="0"/>
-              <a:t> </a:t>
-            </a:r>
-            <a:r>
-              <a:rPr lang="it-IT" dirty="0"/>
-              <a:t>metodi: </a:t>
-            </a:r>
-            <a:endParaRPr lang="en-US" dirty="0"/>
-          </a:p>
-          <a:p>
-            <a:pPr lvl="1"/>
-            <a:r>
-              <a:rPr lang="en-US" dirty="0" smtClean="0">
-                <a:solidFill>
-                  <a:srgbClr val="0000FF"/>
-                </a:solidFill>
-              </a:rPr>
-              <a:t>int</a:t>
-            </a:r>
-            <a:r>
-              <a:rPr lang="en-US" dirty="0" smtClean="0"/>
-              <a:t> </a:t>
-            </a:r>
-            <a:r>
-              <a:rPr lang="en-US" dirty="0" err="1"/>
-              <a:t>getMappedValue</a:t>
-            </a:r>
-            <a:r>
-              <a:rPr lang="en-US" dirty="0" smtClean="0"/>
-              <a:t>(</a:t>
-            </a:r>
-            <a:br>
-              <a:rPr lang="en-US" dirty="0" smtClean="0"/>
-            </a:br>
-            <a:r>
-              <a:rPr lang="en-US" dirty="0" smtClean="0"/>
-              <a:t>	</a:t>
-            </a:r>
-            <a:r>
-              <a:rPr lang="en-US" dirty="0" smtClean="0">
-                <a:solidFill>
-                  <a:srgbClr val="0000FF"/>
-                </a:solidFill>
-              </a:rPr>
-              <a:t>int</a:t>
-            </a:r>
-            <a:r>
-              <a:rPr lang="en-US" dirty="0" smtClean="0"/>
-              <a:t> </a:t>
-            </a:r>
-            <a:r>
-              <a:rPr lang="en-US" dirty="0" err="1">
-                <a:solidFill>
-                  <a:srgbClr val="008000"/>
-                </a:solidFill>
-              </a:rPr>
-              <a:t>valuePotentiometer</a:t>
-            </a:r>
-            <a:r>
-              <a:rPr lang="en-US" dirty="0"/>
-              <a:t>, </a:t>
-            </a:r>
-            <a:r>
-              <a:rPr lang="en-US" dirty="0" smtClean="0"/>
-              <a:t/>
-            </a:r>
-            <a:br>
-              <a:rPr lang="en-US" dirty="0" smtClean="0"/>
-            </a:br>
-            <a:r>
-              <a:rPr lang="en-US" dirty="0" smtClean="0"/>
-              <a:t>	</a:t>
-            </a:r>
-            <a:r>
-              <a:rPr lang="en-US" dirty="0" smtClean="0">
-                <a:solidFill>
-                  <a:srgbClr val="0000FF"/>
-                </a:solidFill>
-              </a:rPr>
-              <a:t>int</a:t>
-            </a:r>
-            <a:r>
-              <a:rPr lang="en-US" dirty="0" smtClean="0"/>
-              <a:t> </a:t>
-            </a:r>
-            <a:r>
-              <a:rPr lang="en-US" dirty="0" err="1">
-                <a:solidFill>
-                  <a:srgbClr val="008000"/>
-                </a:solidFill>
-              </a:rPr>
-              <a:t>valueMinPotentiometer</a:t>
-            </a:r>
-            <a:r>
-              <a:rPr lang="en-US" dirty="0"/>
-              <a:t>, </a:t>
-            </a:r>
-            <a:r>
-              <a:rPr lang="en-US" dirty="0" smtClean="0"/>
-              <a:t/>
-            </a:r>
-            <a:br>
-              <a:rPr lang="en-US" dirty="0" smtClean="0"/>
-            </a:br>
-            <a:r>
-              <a:rPr lang="en-US" dirty="0" smtClean="0"/>
-              <a:t>	</a:t>
-            </a:r>
-            <a:r>
-              <a:rPr lang="en-US" dirty="0" smtClean="0">
-                <a:solidFill>
-                  <a:srgbClr val="0000FF"/>
-                </a:solidFill>
-              </a:rPr>
-              <a:t>int </a:t>
-            </a:r>
-            <a:r>
-              <a:rPr lang="en-US" dirty="0" err="1">
-                <a:solidFill>
-                  <a:srgbClr val="008000"/>
-                </a:solidFill>
-              </a:rPr>
-              <a:t>valueMaxPotentiometer</a:t>
-            </a:r>
-            <a:r>
-              <a:rPr lang="en-US" dirty="0"/>
-              <a:t>, </a:t>
-            </a:r>
-            <a:r>
-              <a:rPr lang="en-US" dirty="0" smtClean="0"/>
-              <a:t/>
-            </a:r>
-            <a:br>
-              <a:rPr lang="en-US" dirty="0" smtClean="0"/>
-            </a:br>
-            <a:r>
-              <a:rPr lang="en-US" dirty="0" smtClean="0"/>
-              <a:t>	</a:t>
-            </a:r>
-            <a:r>
-              <a:rPr lang="en-US" dirty="0" smtClean="0">
-                <a:solidFill>
-                  <a:srgbClr val="0000FF"/>
-                </a:solidFill>
-              </a:rPr>
-              <a:t>int</a:t>
-            </a:r>
-            <a:r>
-              <a:rPr lang="en-US" dirty="0" smtClean="0"/>
-              <a:t> </a:t>
-            </a:r>
-            <a:r>
-              <a:rPr lang="en-US" dirty="0" err="1">
-                <a:solidFill>
-                  <a:srgbClr val="008000"/>
-                </a:solidFill>
-              </a:rPr>
-              <a:t>valueMin</a:t>
-            </a:r>
-            <a:r>
-              <a:rPr lang="en-US" dirty="0"/>
-              <a:t>, </a:t>
-            </a:r>
-            <a:r>
-              <a:rPr lang="en-US" dirty="0" smtClean="0"/>
-              <a:t/>
-            </a:r>
-            <a:br>
-              <a:rPr lang="en-US" dirty="0" smtClean="0"/>
-            </a:br>
-            <a:r>
-              <a:rPr lang="en-US" dirty="0" smtClean="0"/>
-              <a:t>	</a:t>
-            </a:r>
-            <a:r>
-              <a:rPr lang="en-US" dirty="0" smtClean="0">
-                <a:solidFill>
-                  <a:srgbClr val="0000FF"/>
-                </a:solidFill>
-              </a:rPr>
-              <a:t>int</a:t>
-            </a:r>
-            <a:r>
-              <a:rPr lang="en-US" dirty="0" smtClean="0"/>
-              <a:t> </a:t>
-            </a:r>
-            <a:r>
-              <a:rPr lang="en-US" dirty="0" err="1">
-                <a:solidFill>
-                  <a:srgbClr val="008000"/>
-                </a:solidFill>
-              </a:rPr>
-              <a:t>valueMax</a:t>
-            </a:r>
-            <a:r>
-              <a:rPr lang="en-US" dirty="0"/>
-              <a:t>);</a:t>
-            </a:r>
-          </a:p>
-          <a:p>
-            <a:pPr lvl="1"/>
-            <a:r>
-              <a:rPr lang="en-US" dirty="0" smtClean="0">
-                <a:solidFill>
-                  <a:srgbClr val="0000FF"/>
-                </a:solidFill>
-              </a:rPr>
-              <a:t>int</a:t>
-            </a:r>
-            <a:r>
-              <a:rPr lang="en-US" dirty="0" smtClean="0"/>
-              <a:t> </a:t>
-            </a:r>
-            <a:r>
-              <a:rPr lang="en-US" dirty="0" err="1" smtClean="0"/>
-              <a:t>getValue</a:t>
-            </a:r>
-            <a:r>
-              <a:rPr lang="en-US" dirty="0" smtClean="0"/>
-              <a:t>();</a:t>
-            </a:r>
-          </a:p>
-        </p:txBody>
-      </p:sp>
-    </p:spTree>
-    <p:extLst>
-      <p:ext uri="{BB962C8B-B14F-4D97-AF65-F5344CB8AC3E}">
-        <p14:creationId xmlns:p14="http://schemas.microsoft.com/office/powerpoint/2010/main" val="91956264"/>
-      </p:ext>
-    </p:extLst>
-  </p:cSld>
-  <p:clrMapOvr>
-    <a:masterClrMapping/>
-  </p:clrMapOvr>
-  <p:timing>
-    <p:tnLst>
-      <p:par>
-        <p:cTn id="1" dur="indefinite" restart="never" nodeType="tmRoot"/>
-      </p:par>
-    </p:tnLst>
-  </p:timing>
-</p:sld>
-</file>
-
-<file path=ppt/slides/slide12.xml><?xml version="1.0" encoding="utf-8"?>
-<p:sld xmlns:a="http://schemas.openxmlformats.org/drawingml/2006/main" xmlns:r="http://schemas.openxmlformats.org/officeDocument/2006/relationships" xmlns:p="http://schemas.openxmlformats.org/presentationml/2006/main">
-  <p:cSld>
-    <p:spTree>
-      <p:nvGrpSpPr>
-        <p:cNvPr id="1" name=""/>
-        <p:cNvGrpSpPr/>
-        <p:nvPr/>
-      </p:nvGrpSpPr>
-      <p:grpSpPr>
-        <a:xfrm>
-          <a:off x="0" y="0"/>
-          <a:ext cx="0" cy="0"/>
-          <a:chOff x="0" y="0"/>
-          <a:chExt cx="0" cy="0"/>
-        </a:xfrm>
-      </p:grpSpPr>
-      <p:sp>
-        <p:nvSpPr>
-          <p:cNvPr id="2" name="Titolo 1"/>
-          <p:cNvSpPr>
-            <a:spLocks noGrp="1"/>
-          </p:cNvSpPr>
-          <p:nvPr>
-            <p:ph type="title"/>
-          </p:nvPr>
-        </p:nvSpPr>
-        <p:spPr/>
-        <p:txBody>
-          <a:bodyPr/>
-          <a:lstStyle/>
-          <a:p>
-            <a:r>
-              <a:rPr lang="it-CH" dirty="0" smtClean="0"/>
-              <a:t>Libreria Sensore a Ultrasuoni</a:t>
-            </a:r>
-            <a:endParaRPr lang="en-US" dirty="0"/>
-          </a:p>
-        </p:txBody>
-      </p:sp>
-      <p:sp>
-        <p:nvSpPr>
-          <p:cNvPr id="3" name="Segnaposto contenuto 2"/>
-          <p:cNvSpPr>
-            <a:spLocks noGrp="1"/>
-          </p:cNvSpPr>
-          <p:nvPr>
-            <p:ph idx="1"/>
-          </p:nvPr>
-        </p:nvSpPr>
-        <p:spPr>
-          <a:xfrm>
-            <a:off x="1154954" y="2317315"/>
-            <a:ext cx="8825659" cy="3920647"/>
-          </a:xfrm>
-        </p:spPr>
-        <p:txBody>
-          <a:bodyPr>
-            <a:normAutofit/>
-          </a:bodyPr>
-          <a:lstStyle/>
-          <a:p>
-            <a:pPr lvl="0"/>
-            <a:r>
-              <a:rPr lang="it-IT" dirty="0"/>
-              <a:t>2</a:t>
-            </a:r>
-            <a:r>
-              <a:rPr lang="it-IT" dirty="0" smtClean="0"/>
-              <a:t> </a:t>
-            </a:r>
-            <a:r>
-              <a:rPr lang="it-IT" dirty="0"/>
-              <a:t>attributi</a:t>
-            </a:r>
-            <a:r>
-              <a:rPr lang="it-IT" dirty="0" smtClean="0"/>
-              <a:t>:</a:t>
-            </a:r>
-          </a:p>
-          <a:p>
-            <a:pPr lvl="1"/>
-            <a:r>
-              <a:rPr lang="it-IT" dirty="0">
-                <a:solidFill>
-                  <a:srgbClr val="0000FF"/>
-                </a:solidFill>
-              </a:rPr>
-              <a:t>i</a:t>
-            </a:r>
-            <a:r>
-              <a:rPr lang="it-IT" dirty="0" smtClean="0">
-                <a:solidFill>
-                  <a:srgbClr val="0000FF"/>
-                </a:solidFill>
-              </a:rPr>
-              <a:t>nt</a:t>
-            </a:r>
-            <a:r>
-              <a:rPr lang="it-IT" dirty="0" smtClean="0"/>
-              <a:t> </a:t>
-            </a:r>
-            <a:r>
-              <a:rPr lang="it-IT" dirty="0" err="1" smtClean="0"/>
-              <a:t>pin_trig</a:t>
-            </a:r>
-            <a:r>
-              <a:rPr lang="it-IT" dirty="0" smtClean="0"/>
-              <a:t>;</a:t>
-            </a:r>
-          </a:p>
-          <a:p>
-            <a:pPr lvl="1"/>
-            <a:r>
-              <a:rPr lang="it-IT" dirty="0">
-                <a:solidFill>
-                  <a:srgbClr val="0000FF"/>
-                </a:solidFill>
-              </a:rPr>
-              <a:t>int</a:t>
-            </a:r>
-            <a:r>
-              <a:rPr lang="it-IT" dirty="0"/>
-              <a:t> </a:t>
-            </a:r>
-            <a:r>
-              <a:rPr lang="it-IT" dirty="0" err="1" smtClean="0"/>
-              <a:t>pin_echo</a:t>
-            </a:r>
-            <a:r>
-              <a:rPr lang="it-IT" dirty="0" smtClean="0"/>
-              <a:t>;</a:t>
-            </a:r>
-          </a:p>
-          <a:p>
-            <a:pPr lvl="0"/>
-            <a:r>
-              <a:rPr lang="it-IT" dirty="0" smtClean="0"/>
-              <a:t>2 </a:t>
-            </a:r>
-            <a:r>
-              <a:rPr lang="it-IT" dirty="0"/>
-              <a:t>metodi: </a:t>
-            </a:r>
-            <a:endParaRPr lang="en-US" dirty="0"/>
-          </a:p>
-          <a:p>
-            <a:pPr lvl="1"/>
-            <a:r>
-              <a:rPr lang="en-US" dirty="0">
-                <a:solidFill>
-                  <a:srgbClr val="0000FF"/>
-                </a:solidFill>
-              </a:rPr>
-              <a:t>v</a:t>
-            </a:r>
-            <a:r>
-              <a:rPr lang="en-US" dirty="0" smtClean="0">
-                <a:solidFill>
-                  <a:srgbClr val="0000FF"/>
-                </a:solidFill>
-              </a:rPr>
-              <a:t>oid</a:t>
-            </a:r>
-            <a:r>
-              <a:rPr lang="en-US" dirty="0" smtClean="0"/>
-              <a:t> </a:t>
-            </a:r>
-            <a:r>
-              <a:rPr lang="en-US" dirty="0" err="1"/>
-              <a:t>setUltraSoundPin</a:t>
-            </a:r>
-            <a:r>
-              <a:rPr lang="en-US" dirty="0"/>
-              <a:t>(</a:t>
-            </a:r>
-            <a:r>
-              <a:rPr lang="en-US" dirty="0">
-                <a:solidFill>
-                  <a:srgbClr val="0000FF"/>
-                </a:solidFill>
-              </a:rPr>
-              <a:t>int</a:t>
-            </a:r>
-            <a:r>
-              <a:rPr lang="en-US" dirty="0"/>
-              <a:t> </a:t>
-            </a:r>
-            <a:r>
-              <a:rPr lang="en-US" dirty="0" err="1">
-                <a:solidFill>
-                  <a:srgbClr val="008000"/>
-                </a:solidFill>
-              </a:rPr>
-              <a:t>pinTrigPort</a:t>
-            </a:r>
-            <a:r>
-              <a:rPr lang="en-US" dirty="0"/>
-              <a:t>, </a:t>
-            </a:r>
-            <a:r>
-              <a:rPr lang="en-US" dirty="0">
-                <a:solidFill>
-                  <a:srgbClr val="0000FF"/>
-                </a:solidFill>
-              </a:rPr>
-              <a:t>int</a:t>
-            </a:r>
-            <a:r>
-              <a:rPr lang="en-US" dirty="0"/>
-              <a:t> </a:t>
-            </a:r>
-            <a:r>
-              <a:rPr lang="en-US" dirty="0" err="1">
-                <a:solidFill>
-                  <a:srgbClr val="008000"/>
-                </a:solidFill>
-              </a:rPr>
-              <a:t>pinEchoPort</a:t>
-            </a:r>
-            <a:r>
-              <a:rPr lang="en-US" dirty="0"/>
-              <a:t>);</a:t>
-            </a:r>
-          </a:p>
-          <a:p>
-            <a:pPr lvl="1"/>
-            <a:r>
-              <a:rPr lang="en-US" dirty="0">
-                <a:solidFill>
-                  <a:srgbClr val="0000FF"/>
-                </a:solidFill>
-              </a:rPr>
-              <a:t>int</a:t>
-            </a:r>
-            <a:r>
-              <a:rPr lang="en-US" dirty="0"/>
-              <a:t> </a:t>
-            </a:r>
-            <a:r>
-              <a:rPr lang="en-US" dirty="0" err="1"/>
-              <a:t>getDistance</a:t>
-            </a:r>
-            <a:r>
-              <a:rPr lang="en-US" dirty="0"/>
-              <a:t>();</a:t>
-            </a:r>
-          </a:p>
-        </p:txBody>
-      </p:sp>
-    </p:spTree>
-    <p:extLst>
-      <p:ext uri="{BB962C8B-B14F-4D97-AF65-F5344CB8AC3E}">
-        <p14:creationId xmlns:p14="http://schemas.microsoft.com/office/powerpoint/2010/main" val="1486815335"/>
-      </p:ext>
-    </p:extLst>
-  </p:cSld>
-  <p:clrMapOvr>
-    <a:masterClrMapping/>
-  </p:clrMapOvr>
-  <p:timing>
-    <p:tnLst>
-      <p:par>
-        <p:cTn id="1" dur="indefinite" restart="never" nodeType="tmRoot"/>
-      </p:par>
-    </p:tnLst>
-  </p:timing>
-</p:sld>
-</file>
-
-<file path=ppt/slides/slide13.xml><?xml version="1.0" encoding="utf-8"?>
-<p:sld xmlns:a="http://schemas.openxmlformats.org/drawingml/2006/main" xmlns:r="http://schemas.openxmlformats.org/officeDocument/2006/relationships" xmlns:p="http://schemas.openxmlformats.org/presentationml/2006/main">
-  <p:cSld>
-    <p:spTree>
-      <p:nvGrpSpPr>
-        <p:cNvPr id="1" name=""/>
-        <p:cNvGrpSpPr/>
-        <p:nvPr/>
-      </p:nvGrpSpPr>
-      <p:grpSpPr>
-        <a:xfrm>
-          <a:off x="0" y="0"/>
-          <a:ext cx="0" cy="0"/>
-          <a:chOff x="0" y="0"/>
-          <a:chExt cx="0" cy="0"/>
-        </a:xfrm>
-      </p:grpSpPr>
-      <p:sp>
-        <p:nvSpPr>
-          <p:cNvPr id="2" name="Titolo 1"/>
-          <p:cNvSpPr>
-            <a:spLocks noGrp="1"/>
-          </p:cNvSpPr>
-          <p:nvPr>
-            <p:ph type="ctrTitle"/>
-          </p:nvPr>
-        </p:nvSpPr>
-        <p:spPr/>
-        <p:txBody>
-          <a:bodyPr/>
-          <a:lstStyle/>
-          <a:p>
-            <a:r>
-              <a:rPr lang="it-CH" dirty="0" smtClean="0"/>
-              <a:t>Guida di Utilizzo</a:t>
-            </a:r>
-            <a:endParaRPr lang="en-US" dirty="0"/>
-          </a:p>
-        </p:txBody>
-      </p:sp>
-      <p:sp>
-        <p:nvSpPr>
-          <p:cNvPr id="3" name="Sottotitolo 2"/>
-          <p:cNvSpPr>
-            <a:spLocks noGrp="1"/>
-          </p:cNvSpPr>
-          <p:nvPr>
-            <p:ph type="subTitle" idx="1"/>
-          </p:nvPr>
-        </p:nvSpPr>
-        <p:spPr/>
-        <p:txBody>
-          <a:bodyPr/>
-          <a:lstStyle/>
-          <a:p>
-            <a:endParaRPr lang="en-US"/>
-          </a:p>
-        </p:txBody>
-      </p:sp>
-    </p:spTree>
-    <p:extLst>
-      <p:ext uri="{BB962C8B-B14F-4D97-AF65-F5344CB8AC3E}">
-        <p14:creationId xmlns:p14="http://schemas.microsoft.com/office/powerpoint/2010/main" val="3477620390"/>
-      </p:ext>
-    </p:extLst>
-  </p:cSld>
-  <p:clrMapOvr>
-    <a:masterClrMapping/>
-  </p:clrMapOvr>
-  <p:timing>
-    <p:tnLst>
-      <p:par>
-        <p:cTn id="1" dur="indefinite" restart="never" nodeType="tmRoot"/>
-      </p:par>
-    </p:tnLst>
-  </p:timing>
-</p:sld>
-</file>
-
-<file path=ppt/slides/slide14.xml><?xml version="1.0" encoding="utf-8"?>
-<p:sld xmlns:a="http://schemas.openxmlformats.org/drawingml/2006/main" xmlns:r="http://schemas.openxmlformats.org/officeDocument/2006/relationships" xmlns:p="http://schemas.openxmlformats.org/presentationml/2006/main">
-  <p:cSld>
-    <p:spTree>
-      <p:nvGrpSpPr>
-        <p:cNvPr id="1" name=""/>
-        <p:cNvGrpSpPr/>
-        <p:nvPr/>
-      </p:nvGrpSpPr>
-      <p:grpSpPr>
-        <a:xfrm>
-          <a:off x="0" y="0"/>
-          <a:ext cx="0" cy="0"/>
-          <a:chOff x="0" y="0"/>
-          <a:chExt cx="0" cy="0"/>
-        </a:xfrm>
-      </p:grpSpPr>
-      <p:sp>
-        <p:nvSpPr>
-          <p:cNvPr id="2" name="Titolo 1"/>
-          <p:cNvSpPr>
-            <a:spLocks noGrp="1"/>
-          </p:cNvSpPr>
-          <p:nvPr>
-            <p:ph type="title"/>
-          </p:nvPr>
-        </p:nvSpPr>
-        <p:spPr/>
-        <p:txBody>
-          <a:bodyPr/>
-          <a:lstStyle/>
-          <a:p>
-            <a:r>
-              <a:rPr lang="it-CH" dirty="0" smtClean="0"/>
-              <a:t>Test</a:t>
-            </a:r>
-            <a:endParaRPr lang="it-CH" dirty="0"/>
-          </a:p>
-        </p:txBody>
-      </p:sp>
-      <p:sp>
-        <p:nvSpPr>
-          <p:cNvPr id="3" name="Segnaposto contenuto 2"/>
-          <p:cNvSpPr>
-            <a:spLocks noGrp="1"/>
-          </p:cNvSpPr>
-          <p:nvPr>
-            <p:ph idx="1"/>
-          </p:nvPr>
-        </p:nvSpPr>
-        <p:spPr/>
-        <p:txBody>
-          <a:bodyPr/>
-          <a:lstStyle/>
-          <a:p>
-            <a:r>
-              <a:rPr lang="it-CH" dirty="0" smtClean="0"/>
-              <a:t>Metodi delle librerie;</a:t>
-            </a:r>
-          </a:p>
-          <a:p>
-            <a:r>
-              <a:rPr lang="it-CH" dirty="0" smtClean="0"/>
-              <a:t>Esempi di implementazione;</a:t>
-            </a:r>
-            <a:endParaRPr lang="it-CH" dirty="0"/>
-          </a:p>
-        </p:txBody>
-      </p:sp>
-    </p:spTree>
-    <p:extLst>
-      <p:ext uri="{BB962C8B-B14F-4D97-AF65-F5344CB8AC3E}">
-        <p14:creationId xmlns:p14="http://schemas.microsoft.com/office/powerpoint/2010/main" val="473207811"/>
-      </p:ext>
-    </p:extLst>
-  </p:cSld>
-  <p:clrMapOvr>
-    <a:masterClrMapping/>
-  </p:clrMapOvr>
-  <p:timing>
-    <p:tnLst>
-      <p:par>
-        <p:cTn id="1" dur="indefinite" restart="never" nodeType="tmRoot"/>
-      </p:par>
-    </p:tnLst>
-  </p:timing>
-</p:sld>
-</file>
-
-<file path=ppt/slides/slide15.xml><?xml version="1.0" encoding="utf-8"?>
-<p:sld xmlns:a="http://schemas.openxmlformats.org/drawingml/2006/main" xmlns:r="http://schemas.openxmlformats.org/officeDocument/2006/relationships" xmlns:p="http://schemas.openxmlformats.org/presentationml/2006/main">
-  <p:cSld>
-    <p:spTree>
-      <p:nvGrpSpPr>
-        <p:cNvPr id="1" name=""/>
-        <p:cNvGrpSpPr/>
-        <p:nvPr/>
-      </p:nvGrpSpPr>
-      <p:grpSpPr>
-        <a:xfrm>
-          <a:off x="0" y="0"/>
-          <a:ext cx="0" cy="0"/>
-          <a:chOff x="0" y="0"/>
-          <a:chExt cx="0" cy="0"/>
-        </a:xfrm>
-      </p:grpSpPr>
-      <p:sp>
-        <p:nvSpPr>
-          <p:cNvPr id="2" name="Titolo 1"/>
-          <p:cNvSpPr>
-            <a:spLocks noGrp="1"/>
-          </p:cNvSpPr>
-          <p:nvPr>
             <p:ph type="ctrTitle"/>
           </p:nvPr>
         </p:nvSpPr>
@@ -14570,7 +13534,7 @@
 </p:sld>
 </file>
 
-<file path=ppt/slides/slide16.xml><?xml version="1.0" encoding="utf-8"?>
+<file path=ppt/slides/slide12.xml><?xml version="1.0" encoding="utf-8"?>
 <p:sld xmlns:a="http://schemas.openxmlformats.org/drawingml/2006/main" xmlns:r="http://schemas.openxmlformats.org/officeDocument/2006/relationships" xmlns:p="http://schemas.openxmlformats.org/presentationml/2006/main">
   <p:cSld>
     <p:spTree>
@@ -14984,7 +13948,6 @@
               <a:rPr lang="it-CH" sz="2200" dirty="0" smtClean="0"/>
               <a:t>1 guida d’utilizzo;</a:t>
             </a:r>
-            <a:endParaRPr lang="it-CH" sz="2200" dirty="0" smtClean="0"/>
           </a:p>
         </p:txBody>
       </p:sp>
@@ -15177,7 +14140,7 @@
           <a:bodyPr/>
           <a:lstStyle/>
           <a:p>
-            <a:endParaRPr lang="en-US"/>
+            <a:endParaRPr lang="en-US" dirty="0"/>
           </a:p>
         </p:txBody>
       </p:sp>
@@ -15235,7 +14198,7 @@
           <a:p>
             <a:r>
               <a:rPr lang="it-CH" dirty="0" smtClean="0"/>
-              <a:t>Libreria Led</a:t>
+              <a:t>Libreria Led RGB</a:t>
             </a:r>
             <a:endParaRPr lang="en-US" dirty="0"/>
           </a:p>
@@ -15266,14 +14229,48 @@
             <a:pPr lvl="0"/>
             <a:r>
               <a:rPr lang="it-IT" dirty="0"/>
-              <a:t>2 attributi:</a:t>
-            </a:r>
-            <a:endParaRPr lang="en-US" dirty="0"/>
+              <a:t>3 attributi</a:t>
+            </a:r>
+            <a:r>
+              <a:rPr lang="it-IT" dirty="0" smtClean="0"/>
+              <a:t>:</a:t>
+            </a:r>
           </a:p>
           <a:p>
             <a:pPr lvl="1"/>
             <a:r>
-              <a:rPr lang="it-CH" dirty="0" smtClean="0">
+              <a:rPr lang="it-IT" dirty="0">
+                <a:solidFill>
+                  <a:srgbClr val="0000FF"/>
+                </a:solidFill>
+              </a:rPr>
+              <a:t>i</a:t>
+            </a:r>
+            <a:r>
+              <a:rPr lang="it-IT" dirty="0" smtClean="0">
+                <a:solidFill>
+                  <a:srgbClr val="0000FF"/>
+                </a:solidFill>
+              </a:rPr>
+              <a:t>nt</a:t>
+            </a:r>
+            <a:r>
+              <a:rPr lang="it-IT" dirty="0" smtClean="0"/>
+              <a:t> </a:t>
+            </a:r>
+            <a:r>
+              <a:rPr lang="it-IT" dirty="0" err="1" smtClean="0"/>
+              <a:t>pinRed</a:t>
+            </a:r>
+            <a:r>
+              <a:rPr lang="it-IT" dirty="0" smtClean="0"/>
+              <a:t>;</a:t>
+            </a:r>
+          </a:p>
+          <a:p>
+            <a:pPr lvl="1"/>
+            <a:r>
+              <a:rPr lang="it-IT" dirty="0">
                 <a:solidFill>
                   <a:srgbClr val="0000FF"/>
                 </a:solidFill>
@@ -15281,50 +14278,152 @@
               <a:t>int</a:t>
             </a:r>
             <a:r>
-              <a:rPr lang="it-CH" dirty="0" smtClean="0"/>
-              <a:t> led;</a:t>
-            </a:r>
-            <a:endParaRPr lang="en-US" dirty="0"/>
+              <a:rPr lang="it-IT" dirty="0"/>
+              <a:t> </a:t>
+            </a:r>
+            <a:r>
+              <a:rPr lang="it-IT" dirty="0" err="1" smtClean="0"/>
+              <a:t>pinGreen</a:t>
+            </a:r>
+            <a:r>
+              <a:rPr lang="it-IT" dirty="0" smtClean="0"/>
+              <a:t>;</a:t>
+            </a:r>
           </a:p>
           <a:p>
             <a:pPr lvl="1"/>
             <a:r>
-              <a:rPr lang="it-CH" dirty="0" err="1">
+              <a:rPr lang="it-IT" dirty="0">
                 <a:solidFill>
                   <a:srgbClr val="0000FF"/>
                 </a:solidFill>
               </a:rPr>
-              <a:t>b</a:t>
-            </a:r>
-            <a:r>
-              <a:rPr lang="it-CH" dirty="0" err="1" smtClean="0">
+              <a:t>int</a:t>
+            </a:r>
+            <a:r>
+              <a:rPr lang="it-IT" dirty="0"/>
+              <a:t> </a:t>
+            </a:r>
+            <a:r>
+              <a:rPr lang="it-IT" dirty="0" err="1" smtClean="0"/>
+              <a:t>pinBlue</a:t>
+            </a:r>
+            <a:r>
+              <a:rPr lang="it-IT" dirty="0" smtClean="0"/>
+              <a:t>;</a:t>
+            </a:r>
+            <a:endParaRPr lang="en-US" dirty="0"/>
+          </a:p>
+          <a:p>
+            <a:pPr lvl="0"/>
+            <a:r>
+              <a:rPr lang="it-IT" dirty="0"/>
+              <a:t>5 metodi: </a:t>
+            </a:r>
+            <a:endParaRPr lang="en-US" dirty="0"/>
+          </a:p>
+          <a:p>
+            <a:pPr lvl="1"/>
+            <a:r>
+              <a:rPr lang="en-US" dirty="0">
                 <a:solidFill>
                   <a:srgbClr val="0000FF"/>
                 </a:solidFill>
               </a:rPr>
-              <a:t>oolean</a:t>
-            </a:r>
-            <a:r>
-              <a:rPr lang="it-CH" dirty="0" smtClean="0"/>
+              <a:t>v</a:t>
+            </a:r>
+            <a:r>
+              <a:rPr lang="en-US" dirty="0" smtClean="0">
+                <a:solidFill>
+                  <a:srgbClr val="0000FF"/>
+                </a:solidFill>
+              </a:rPr>
+              <a:t>oid</a:t>
+            </a:r>
+            <a:r>
+              <a:rPr lang="en-US" dirty="0" smtClean="0"/>
               <a:t> </a:t>
             </a:r>
             <a:r>
-              <a:rPr lang="it-CH" dirty="0" err="1" smtClean="0"/>
-              <a:t>state_led</a:t>
-            </a:r>
-            <a:r>
-              <a:rPr lang="it-IT" dirty="0" smtClean="0"/>
-              <a:t>;</a:t>
-            </a:r>
-            <a:endParaRPr lang="en-US" dirty="0"/>
-          </a:p>
-          <a:p>
-            <a:pPr lvl="0"/>
-            <a:r>
-              <a:rPr lang="it-IT" dirty="0"/>
-              <a:t>5 metodi:</a:t>
-            </a:r>
-            <a:endParaRPr lang="en-US" dirty="0"/>
+              <a:rPr lang="en-US" dirty="0" err="1" smtClean="0"/>
+              <a:t>setLedPin</a:t>
+            </a:r>
+            <a:r>
+              <a:rPr lang="en-US" dirty="0" smtClean="0"/>
+              <a:t>(</a:t>
+            </a:r>
+            <a:r>
+              <a:rPr lang="en-US" dirty="0" smtClean="0">
+                <a:solidFill>
+                  <a:srgbClr val="0000FF"/>
+                </a:solidFill>
+              </a:rPr>
+              <a:t>int</a:t>
+            </a:r>
+            <a:r>
+              <a:rPr lang="en-US" dirty="0" smtClean="0"/>
+              <a:t> </a:t>
+            </a:r>
+            <a:r>
+              <a:rPr lang="en-US" dirty="0" err="1">
+                <a:solidFill>
+                  <a:srgbClr val="008000"/>
+                </a:solidFill>
+              </a:rPr>
+              <a:t>myRedPin</a:t>
+            </a:r>
+            <a:r>
+              <a:rPr lang="en-US" dirty="0"/>
+              <a:t>, </a:t>
+            </a:r>
+            <a:r>
+              <a:rPr lang="en-US" dirty="0">
+                <a:solidFill>
+                  <a:srgbClr val="0000FF"/>
+                </a:solidFill>
+              </a:rPr>
+              <a:t>int</a:t>
+            </a:r>
+            <a:r>
+              <a:rPr lang="en-US" dirty="0"/>
+              <a:t> </a:t>
+            </a:r>
+            <a:r>
+              <a:rPr lang="en-US" dirty="0" err="1">
+                <a:solidFill>
+                  <a:srgbClr val="008000"/>
+                </a:solidFill>
+              </a:rPr>
+              <a:t>myGreenPin</a:t>
+            </a:r>
+            <a:r>
+              <a:rPr lang="en-US" dirty="0"/>
+              <a:t>, </a:t>
+            </a:r>
+            <a:r>
+              <a:rPr lang="en-US" dirty="0">
+                <a:solidFill>
+                  <a:srgbClr val="0000FF"/>
+                </a:solidFill>
+              </a:rPr>
+              <a:t>int</a:t>
+            </a:r>
+            <a:r>
+              <a:rPr lang="en-US" dirty="0"/>
+              <a:t> </a:t>
+            </a:r>
+            <a:r>
+              <a:rPr lang="en-US" dirty="0" err="1">
+                <a:solidFill>
+                  <a:srgbClr val="008000"/>
+                </a:solidFill>
+              </a:rPr>
+              <a:t>myBluePin</a:t>
+            </a:r>
+            <a:r>
+              <a:rPr lang="en-US" dirty="0"/>
+              <a:t>);</a:t>
+            </a:r>
           </a:p>
           <a:p>
             <a:pPr lvl="1"/>
@@ -15342,7 +14441,7 @@
             </a:r>
             <a:r>
               <a:rPr lang="en-US" dirty="0" err="1" smtClean="0"/>
-              <a:t>setLedPin</a:t>
+              <a:t>setColor</a:t>
             </a:r>
             <a:r>
               <a:rPr lang="en-US" dirty="0" smtClean="0"/>
@@ -15361,12 +14460,56 @@
               <a:t> </a:t>
             </a:r>
             <a:r>
-              <a:rPr lang="en-US" dirty="0" err="1">
+              <a:rPr lang="en-US" dirty="0">
                 <a:solidFill>
                   <a:srgbClr val="008000"/>
                 </a:solidFill>
               </a:rPr>
-              <a:t>ledPort</a:t>
+              <a:t>red</a:t>
+            </a:r>
+            <a:r>
+              <a:rPr lang="en-US" dirty="0"/>
+              <a:t>, </a:t>
+            </a:r>
+            <a:r>
+              <a:rPr lang="en-US" dirty="0">
+                <a:solidFill>
+                  <a:srgbClr val="0000FF"/>
+                </a:solidFill>
+              </a:rPr>
+              <a:t>int</a:t>
+            </a:r>
+            <a:r>
+              <a:rPr lang="en-US" dirty="0"/>
+              <a:t> </a:t>
+            </a:r>
+            <a:r>
+              <a:rPr lang="en-US" dirty="0">
+                <a:solidFill>
+                  <a:srgbClr val="008000"/>
+                </a:solidFill>
+              </a:rPr>
+              <a:t>green</a:t>
+            </a:r>
+            <a:r>
+              <a:rPr lang="en-US" dirty="0"/>
+              <a:t>, </a:t>
+            </a:r>
+            <a:r>
+              <a:rPr lang="en-US" dirty="0">
+                <a:solidFill>
+                  <a:srgbClr val="0000FF"/>
+                </a:solidFill>
+              </a:rPr>
+              <a:t>int </a:t>
+            </a:r>
+            <a:r>
+              <a:rPr lang="en-US" dirty="0">
+                <a:solidFill>
+                  <a:srgbClr val="008000"/>
+                </a:solidFill>
+              </a:rPr>
+              <a:t>blue</a:t>
             </a:r>
             <a:r>
               <a:rPr lang="en-US" dirty="0"/>
@@ -15389,11 +14532,35 @@
             </a:r>
             <a:r>
               <a:rPr lang="en-US" dirty="0" err="1" smtClean="0"/>
-              <a:t>powerOn</a:t>
+              <a:t>setRed</a:t>
+            </a:r>
+            <a:r>
+              <a:rPr lang="en-US" dirty="0" smtClean="0"/>
+              <a:t>(</a:t>
+            </a:r>
+            <a:r>
+              <a:rPr lang="en-US" dirty="0" smtClean="0">
+                <a:solidFill>
+                  <a:srgbClr val="0000FF"/>
+                </a:solidFill>
+              </a:rPr>
+              <a:t>int</a:t>
+            </a:r>
+            <a:r>
+              <a:rPr lang="en-US" dirty="0" smtClean="0"/>
+              <a:t> </a:t>
+            </a:r>
+            <a:r>
+              <a:rPr lang="en-US" dirty="0">
+                <a:solidFill>
+                  <a:srgbClr val="008000"/>
+                </a:solidFill>
+              </a:rPr>
+              <a:t>red</a:t>
             </a:r>
             <a:r>
               <a:rPr lang="en-US" dirty="0"/>
-              <a:t>();</a:t>
+              <a:t>);</a:t>
             </a:r>
           </a:p>
           <a:p>
@@ -15412,11 +14579,35 @@
             </a:r>
             <a:r>
               <a:rPr lang="en-US" dirty="0" err="1" smtClean="0"/>
-              <a:t>powerOff</a:t>
+              <a:t>setGreen</a:t>
+            </a:r>
+            <a:r>
+              <a:rPr lang="en-US" dirty="0" smtClean="0"/>
+              <a:t>(</a:t>
+            </a:r>
+            <a:r>
+              <a:rPr lang="en-US" dirty="0" smtClean="0">
+                <a:solidFill>
+                  <a:srgbClr val="0000FF"/>
+                </a:solidFill>
+              </a:rPr>
+              <a:t>int</a:t>
+            </a:r>
+            <a:r>
+              <a:rPr lang="en-US" dirty="0" smtClean="0"/>
+              <a:t> </a:t>
+            </a:r>
+            <a:r>
+              <a:rPr lang="en-US" dirty="0">
+                <a:solidFill>
+                  <a:srgbClr val="008000"/>
+                </a:solidFill>
+              </a:rPr>
+              <a:t>green</a:t>
             </a:r>
             <a:r>
               <a:rPr lang="en-US" dirty="0"/>
-              <a:t>();</a:t>
+              <a:t>);</a:t>
             </a:r>
           </a:p>
           <a:p>
@@ -15435,54 +14626,11 @@
             </a:r>
             <a:r>
               <a:rPr lang="en-US" dirty="0" err="1" smtClean="0"/>
-              <a:t>setLed</a:t>
+              <a:t>setBlue</a:t>
             </a:r>
             <a:r>
               <a:rPr lang="en-US" dirty="0" smtClean="0"/>
               <a:t>(</a:t>
-            </a:r>
-            <a:r>
-              <a:rPr lang="en-US" dirty="0" smtClean="0">
-                <a:solidFill>
-                  <a:srgbClr val="0000FF"/>
-                </a:solidFill>
-              </a:rPr>
-              <a:t>bool</a:t>
-            </a:r>
-            <a:r>
-              <a:rPr lang="en-US" dirty="0" smtClean="0"/>
-              <a:t> </a:t>
-            </a:r>
-            <a:r>
-              <a:rPr lang="en-US" dirty="0" err="1">
-                <a:solidFill>
-                  <a:srgbClr val="008000"/>
-                </a:solidFill>
-              </a:rPr>
-              <a:t>stato_led</a:t>
-            </a:r>
-            <a:r>
-              <a:rPr lang="en-US" dirty="0"/>
-              <a:t>);</a:t>
-            </a:r>
-          </a:p>
-          <a:p>
-            <a:pPr lvl="1"/>
-            <a:r>
-              <a:rPr lang="en-US" dirty="0">
-                <a:solidFill>
-                  <a:srgbClr val="0000FF"/>
-                </a:solidFill>
-              </a:rPr>
-              <a:t>void</a:t>
-            </a:r>
-            <a:r>
-              <a:rPr lang="en-US" dirty="0"/>
-              <a:t> </a:t>
-            </a:r>
-            <a:r>
-              <a:rPr lang="en-US" dirty="0" smtClean="0"/>
-              <a:t>blink(</a:t>
             </a:r>
             <a:r>
               <a:rPr lang="en-US" dirty="0" smtClean="0">
@@ -15502,20 +14650,19 @@
                   <a:srgbClr val="008000"/>
                 </a:solidFill>
               </a:rPr>
-              <a:t>frequency</a:t>
-            </a:r>
-            <a:r>
-              <a:rPr lang="en-US" dirty="0" smtClean="0"/>
+              <a:t>blue</a:t>
+            </a:r>
+            <a:r>
+              <a:rPr lang="en-US" dirty="0"/>
               <a:t>);</a:t>
             </a:r>
-            <a:endParaRPr lang="en-US" dirty="0"/>
           </a:p>
         </p:txBody>
       </p:sp>
     </p:spTree>
     <p:extLst>
       <p:ext uri="{BB962C8B-B14F-4D97-AF65-F5344CB8AC3E}">
-        <p14:creationId xmlns:p14="http://schemas.microsoft.com/office/powerpoint/2010/main" val="1058739264"/>
+        <p14:creationId xmlns:p14="http://schemas.microsoft.com/office/powerpoint/2010/main" val="3410843995"/>
       </p:ext>
     </p:extLst>
   </p:cSld>
@@ -15566,9 +14713,9 @@
           <a:p>
             <a:r>
               <a:rPr lang="it-CH" dirty="0" smtClean="0"/>
-              <a:t>Libreria Led RGB</a:t>
-            </a:r>
-            <a:endParaRPr lang="en-US" dirty="0"/>
+              <a:t>Esempio 3, RGB e Potenziometro</a:t>
+            </a:r>
+            <a:endParaRPr lang="it-CH" dirty="0"/>
           </a:p>
         </p:txBody>
       </p:sp>
@@ -15582,455 +14729,19 @@
             <p:ph idx="1"/>
           </p:nvPr>
         </p:nvSpPr>
-        <p:spPr>
-          <a:xfrm>
-            <a:off x="1154954" y="2317315"/>
-            <a:ext cx="8825659" cy="3920647"/>
-          </a:xfrm>
-        </p:spPr>
+        <p:spPr/>
         <p:txBody>
-          <a:bodyPr>
-            <a:normAutofit/>
-          </a:bodyPr>
+          <a:bodyPr/>
           <a:lstStyle/>
           <a:p>
-            <a:pPr lvl="0"/>
-            <a:r>
-              <a:rPr lang="it-IT" dirty="0"/>
-              <a:t>3 attributi</a:t>
-            </a:r>
-            <a:r>
-              <a:rPr lang="it-IT" dirty="0" smtClean="0"/>
-              <a:t>:</a:t>
-            </a:r>
-          </a:p>
-          <a:p>
-            <a:pPr lvl="1"/>
-            <a:r>
-              <a:rPr lang="it-IT" dirty="0">
-                <a:solidFill>
-                  <a:srgbClr val="0000FF"/>
-                </a:solidFill>
-              </a:rPr>
-              <a:t>i</a:t>
-            </a:r>
-            <a:r>
-              <a:rPr lang="it-IT" dirty="0" smtClean="0">
-                <a:solidFill>
-                  <a:srgbClr val="0000FF"/>
-                </a:solidFill>
-              </a:rPr>
-              <a:t>nt</a:t>
-            </a:r>
-            <a:r>
-              <a:rPr lang="it-IT" dirty="0" smtClean="0"/>
-              <a:t> </a:t>
-            </a:r>
-            <a:r>
-              <a:rPr lang="it-IT" dirty="0" err="1" smtClean="0"/>
-              <a:t>pinRed</a:t>
-            </a:r>
-            <a:r>
-              <a:rPr lang="it-IT" dirty="0" smtClean="0"/>
-              <a:t>;</a:t>
-            </a:r>
-          </a:p>
-          <a:p>
-            <a:pPr lvl="1"/>
-            <a:r>
-              <a:rPr lang="it-IT" dirty="0">
-                <a:solidFill>
-                  <a:srgbClr val="0000FF"/>
-                </a:solidFill>
-              </a:rPr>
-              <a:t>int</a:t>
-            </a:r>
-            <a:r>
-              <a:rPr lang="it-IT" dirty="0"/>
-              <a:t> </a:t>
-            </a:r>
-            <a:r>
-              <a:rPr lang="it-IT" dirty="0" err="1" smtClean="0"/>
-              <a:t>pinGreen</a:t>
-            </a:r>
-            <a:r>
-              <a:rPr lang="it-IT" dirty="0" smtClean="0"/>
-              <a:t>;</a:t>
-            </a:r>
-          </a:p>
-          <a:p>
-            <a:pPr lvl="1"/>
-            <a:r>
-              <a:rPr lang="it-IT" dirty="0">
-                <a:solidFill>
-                  <a:srgbClr val="0000FF"/>
-                </a:solidFill>
-              </a:rPr>
-              <a:t>int</a:t>
-            </a:r>
-            <a:r>
-              <a:rPr lang="it-IT" dirty="0"/>
-              <a:t> </a:t>
-            </a:r>
-            <a:r>
-              <a:rPr lang="it-IT" dirty="0" err="1" smtClean="0"/>
-              <a:t>pinBlue</a:t>
-            </a:r>
-            <a:r>
-              <a:rPr lang="it-IT" dirty="0" smtClean="0"/>
-              <a:t>;</a:t>
-            </a:r>
-            <a:endParaRPr lang="en-US" dirty="0"/>
-          </a:p>
-          <a:p>
-            <a:pPr lvl="0"/>
-            <a:r>
-              <a:rPr lang="it-IT" dirty="0"/>
-              <a:t>5 metodi: </a:t>
-            </a:r>
-            <a:endParaRPr lang="en-US" dirty="0"/>
-          </a:p>
-          <a:p>
-            <a:pPr lvl="1"/>
-            <a:r>
-              <a:rPr lang="en-US" dirty="0">
-                <a:solidFill>
-                  <a:srgbClr val="0000FF"/>
-                </a:solidFill>
-              </a:rPr>
-              <a:t>v</a:t>
-            </a:r>
-            <a:r>
-              <a:rPr lang="en-US" dirty="0" smtClean="0">
-                <a:solidFill>
-                  <a:srgbClr val="0000FF"/>
-                </a:solidFill>
-              </a:rPr>
-              <a:t>oid</a:t>
-            </a:r>
-            <a:r>
-              <a:rPr lang="en-US" dirty="0" smtClean="0"/>
-              <a:t> </a:t>
-            </a:r>
-            <a:r>
-              <a:rPr lang="en-US" dirty="0" err="1" smtClean="0"/>
-              <a:t>setLedPin</a:t>
-            </a:r>
-            <a:r>
-              <a:rPr lang="en-US" dirty="0" smtClean="0"/>
-              <a:t>(</a:t>
-            </a:r>
-            <a:r>
-              <a:rPr lang="en-US" dirty="0" smtClean="0">
-                <a:solidFill>
-                  <a:srgbClr val="0000FF"/>
-                </a:solidFill>
-              </a:rPr>
-              <a:t>int</a:t>
-            </a:r>
-            <a:r>
-              <a:rPr lang="en-US" dirty="0" smtClean="0"/>
-              <a:t> </a:t>
-            </a:r>
-            <a:r>
-              <a:rPr lang="en-US" dirty="0" err="1">
-                <a:solidFill>
-                  <a:srgbClr val="008000"/>
-                </a:solidFill>
-              </a:rPr>
-              <a:t>myRedPin</a:t>
-            </a:r>
-            <a:r>
-              <a:rPr lang="en-US" dirty="0"/>
-              <a:t>, </a:t>
-            </a:r>
-            <a:r>
-              <a:rPr lang="en-US" dirty="0">
-                <a:solidFill>
-                  <a:srgbClr val="0000FF"/>
-                </a:solidFill>
-              </a:rPr>
-              <a:t>int</a:t>
-            </a:r>
-            <a:r>
-              <a:rPr lang="en-US" dirty="0"/>
-              <a:t> </a:t>
-            </a:r>
-            <a:r>
-              <a:rPr lang="en-US" dirty="0" err="1">
-                <a:solidFill>
-                  <a:srgbClr val="008000"/>
-                </a:solidFill>
-              </a:rPr>
-              <a:t>myGreenPin</a:t>
-            </a:r>
-            <a:r>
-              <a:rPr lang="en-US" dirty="0"/>
-              <a:t>, </a:t>
-            </a:r>
-            <a:r>
-              <a:rPr lang="en-US" dirty="0">
-                <a:solidFill>
-                  <a:srgbClr val="0000FF"/>
-                </a:solidFill>
-              </a:rPr>
-              <a:t>int</a:t>
-            </a:r>
-            <a:r>
-              <a:rPr lang="en-US" dirty="0"/>
-              <a:t> </a:t>
-            </a:r>
-            <a:r>
-              <a:rPr lang="en-US" dirty="0" err="1">
-                <a:solidFill>
-                  <a:srgbClr val="008000"/>
-                </a:solidFill>
-              </a:rPr>
-              <a:t>myBluePin</a:t>
-            </a:r>
-            <a:r>
-              <a:rPr lang="en-US" dirty="0"/>
-              <a:t>);</a:t>
-            </a:r>
-          </a:p>
-          <a:p>
-            <a:pPr lvl="1"/>
-            <a:r>
-              <a:rPr lang="en-US" dirty="0">
-                <a:solidFill>
-                  <a:srgbClr val="0000FF"/>
-                </a:solidFill>
-              </a:rPr>
-              <a:t>void</a:t>
-            </a:r>
-            <a:r>
-              <a:rPr lang="en-US" dirty="0"/>
-              <a:t> </a:t>
-            </a:r>
-            <a:r>
-              <a:rPr lang="en-US" dirty="0" err="1" smtClean="0"/>
-              <a:t>setColor</a:t>
-            </a:r>
-            <a:r>
-              <a:rPr lang="en-US" dirty="0" smtClean="0"/>
-              <a:t>(</a:t>
-            </a:r>
-            <a:r>
-              <a:rPr lang="en-US" dirty="0" smtClean="0">
-                <a:solidFill>
-                  <a:srgbClr val="0000FF"/>
-                </a:solidFill>
-              </a:rPr>
-              <a:t>int</a:t>
-            </a:r>
-            <a:r>
-              <a:rPr lang="en-US" dirty="0" smtClean="0"/>
-              <a:t> </a:t>
-            </a:r>
-            <a:r>
-              <a:rPr lang="en-US" dirty="0">
-                <a:solidFill>
-                  <a:srgbClr val="008000"/>
-                </a:solidFill>
-              </a:rPr>
-              <a:t>red</a:t>
-            </a:r>
-            <a:r>
-              <a:rPr lang="en-US" dirty="0"/>
-              <a:t>, </a:t>
-            </a:r>
-            <a:r>
-              <a:rPr lang="en-US" dirty="0">
-                <a:solidFill>
-                  <a:srgbClr val="0000FF"/>
-                </a:solidFill>
-              </a:rPr>
-              <a:t>int</a:t>
-            </a:r>
-            <a:r>
-              <a:rPr lang="en-US" dirty="0"/>
-              <a:t> </a:t>
-            </a:r>
-            <a:r>
-              <a:rPr lang="en-US" dirty="0">
-                <a:solidFill>
-                  <a:srgbClr val="008000"/>
-                </a:solidFill>
-              </a:rPr>
-              <a:t>green</a:t>
-            </a:r>
-            <a:r>
-              <a:rPr lang="en-US" dirty="0"/>
-              <a:t>, </a:t>
-            </a:r>
-            <a:r>
-              <a:rPr lang="en-US" dirty="0">
-                <a:solidFill>
-                  <a:srgbClr val="0000FF"/>
-                </a:solidFill>
-              </a:rPr>
-              <a:t>int </a:t>
-            </a:r>
-            <a:r>
-              <a:rPr lang="en-US" dirty="0">
-                <a:solidFill>
-                  <a:srgbClr val="008000"/>
-                </a:solidFill>
-              </a:rPr>
-              <a:t>blue</a:t>
-            </a:r>
-            <a:r>
-              <a:rPr lang="en-US" dirty="0"/>
-              <a:t>);</a:t>
-            </a:r>
-          </a:p>
-          <a:p>
-            <a:pPr lvl="1"/>
-            <a:r>
-              <a:rPr lang="en-US" dirty="0">
-                <a:solidFill>
-                  <a:srgbClr val="0000FF"/>
-                </a:solidFill>
-              </a:rPr>
-              <a:t>void</a:t>
-            </a:r>
-            <a:r>
-              <a:rPr lang="en-US" dirty="0"/>
-              <a:t> </a:t>
-            </a:r>
-            <a:r>
-              <a:rPr lang="en-US" dirty="0" err="1" smtClean="0"/>
-              <a:t>setRed</a:t>
-            </a:r>
-            <a:r>
-              <a:rPr lang="en-US" dirty="0" smtClean="0"/>
-              <a:t>(</a:t>
-            </a:r>
-            <a:r>
-              <a:rPr lang="en-US" dirty="0" smtClean="0">
-                <a:solidFill>
-                  <a:srgbClr val="0000FF"/>
-                </a:solidFill>
-              </a:rPr>
-              <a:t>int</a:t>
-            </a:r>
-            <a:r>
-              <a:rPr lang="en-US" dirty="0" smtClean="0"/>
-              <a:t> </a:t>
-            </a:r>
-            <a:r>
-              <a:rPr lang="en-US" dirty="0">
-                <a:solidFill>
-                  <a:srgbClr val="008000"/>
-                </a:solidFill>
-              </a:rPr>
-              <a:t>red</a:t>
-            </a:r>
-            <a:r>
-              <a:rPr lang="en-US" dirty="0"/>
-              <a:t>);</a:t>
-            </a:r>
-          </a:p>
-          <a:p>
-            <a:pPr lvl="1"/>
-            <a:r>
-              <a:rPr lang="en-US" dirty="0">
-                <a:solidFill>
-                  <a:srgbClr val="0000FF"/>
-                </a:solidFill>
-              </a:rPr>
-              <a:t>void</a:t>
-            </a:r>
-            <a:r>
-              <a:rPr lang="en-US" dirty="0"/>
-              <a:t> </a:t>
-            </a:r>
-            <a:r>
-              <a:rPr lang="en-US" dirty="0" err="1" smtClean="0"/>
-              <a:t>setGreen</a:t>
-            </a:r>
-            <a:r>
-              <a:rPr lang="en-US" dirty="0" smtClean="0"/>
-              <a:t>(</a:t>
-            </a:r>
-            <a:r>
-              <a:rPr lang="en-US" dirty="0" smtClean="0">
-                <a:solidFill>
-                  <a:srgbClr val="0000FF"/>
-                </a:solidFill>
-              </a:rPr>
-              <a:t>int</a:t>
-            </a:r>
-            <a:r>
-              <a:rPr lang="en-US" dirty="0" smtClean="0"/>
-              <a:t> </a:t>
-            </a:r>
-            <a:r>
-              <a:rPr lang="en-US" dirty="0">
-                <a:solidFill>
-                  <a:srgbClr val="008000"/>
-                </a:solidFill>
-              </a:rPr>
-              <a:t>green</a:t>
-            </a:r>
-            <a:r>
-              <a:rPr lang="en-US" dirty="0"/>
-              <a:t>);</a:t>
-            </a:r>
-          </a:p>
-          <a:p>
-            <a:pPr lvl="1"/>
-            <a:r>
-              <a:rPr lang="en-US" dirty="0">
-                <a:solidFill>
-                  <a:srgbClr val="0000FF"/>
-                </a:solidFill>
-              </a:rPr>
-              <a:t>void</a:t>
-            </a:r>
-            <a:r>
-              <a:rPr lang="en-US" dirty="0"/>
-              <a:t> </a:t>
-            </a:r>
-            <a:r>
-              <a:rPr lang="en-US" dirty="0" err="1" smtClean="0"/>
-              <a:t>setBlue</a:t>
-            </a:r>
-            <a:r>
-              <a:rPr lang="en-US" dirty="0" smtClean="0"/>
-              <a:t>(</a:t>
-            </a:r>
-            <a:r>
-              <a:rPr lang="en-US" dirty="0" smtClean="0">
-                <a:solidFill>
-                  <a:srgbClr val="0000FF"/>
-                </a:solidFill>
-              </a:rPr>
-              <a:t>int</a:t>
-            </a:r>
-            <a:r>
-              <a:rPr lang="en-US" dirty="0" smtClean="0"/>
-              <a:t> </a:t>
-            </a:r>
-            <a:r>
-              <a:rPr lang="en-US" dirty="0">
-                <a:solidFill>
-                  <a:srgbClr val="008000"/>
-                </a:solidFill>
-              </a:rPr>
-              <a:t>blue</a:t>
-            </a:r>
-            <a:r>
-              <a:rPr lang="en-US" dirty="0"/>
-              <a:t>);</a:t>
-            </a:r>
+            <a:endParaRPr lang="it-CH" dirty="0"/>
           </a:p>
         </p:txBody>
       </p:sp>
     </p:spTree>
     <p:extLst>
       <p:ext uri="{BB962C8B-B14F-4D97-AF65-F5344CB8AC3E}">
-        <p14:creationId xmlns:p14="http://schemas.microsoft.com/office/powerpoint/2010/main" val="3410843995"/>
+        <p14:creationId xmlns:p14="http://schemas.microsoft.com/office/powerpoint/2010/main" val="4194786300"/>
       </p:ext>
     </p:extLst>
   </p:cSld>
@@ -16071,7 +14782,7 @@
             <a:spLocks noGrp="1"/>
           </p:cNvSpPr>
           <p:nvPr>
-            <p:ph type="title"/>
+            <p:ph type="ctrTitle"/>
           </p:nvPr>
         </p:nvSpPr>
         <p:spPr/>
@@ -16081,7 +14792,7 @@
           <a:p>
             <a:r>
               <a:rPr lang="it-CH" dirty="0" smtClean="0"/>
-              <a:t>Libreria Cicalino</a:t>
+              <a:t>Guida di Utilizzo</a:t>
             </a:r>
             <a:endParaRPr lang="en-US" dirty="0"/>
           </a:p>
@@ -16089,202 +14800,19 @@
       </p:sp>
       <p:sp>
         <p:nvSpPr>
-          <p:cNvPr id="3" name="Segnaposto contenuto 2"/>
+          <p:cNvPr id="3" name="Sottotitolo 2"/>
           <p:cNvSpPr>
             <a:spLocks noGrp="1"/>
           </p:cNvSpPr>
           <p:nvPr>
-            <p:ph idx="1"/>
+            <p:ph type="subTitle" idx="1"/>
           </p:nvPr>
         </p:nvSpPr>
-        <p:spPr>
-          <a:xfrm>
-            <a:off x="1154954" y="2317315"/>
-            <a:ext cx="8825659" cy="3920647"/>
-          </a:xfrm>
-        </p:spPr>
+        <p:spPr/>
         <p:txBody>
-          <a:bodyPr>
-            <a:normAutofit/>
-          </a:bodyPr>
+          <a:bodyPr/>
           <a:lstStyle/>
           <a:p>
-            <a:pPr lvl="0"/>
-            <a:r>
-              <a:rPr lang="it-IT" dirty="0"/>
-              <a:t>1</a:t>
-            </a:r>
-            <a:r>
-              <a:rPr lang="it-IT" dirty="0" smtClean="0"/>
-              <a:t> attributo:</a:t>
-            </a:r>
-          </a:p>
-          <a:p>
-            <a:pPr lvl="1"/>
-            <a:r>
-              <a:rPr lang="it-IT" dirty="0">
-                <a:solidFill>
-                  <a:srgbClr val="0000FF"/>
-                </a:solidFill>
-              </a:rPr>
-              <a:t>i</a:t>
-            </a:r>
-            <a:r>
-              <a:rPr lang="it-IT" dirty="0" smtClean="0">
-                <a:solidFill>
-                  <a:srgbClr val="0000FF"/>
-                </a:solidFill>
-              </a:rPr>
-              <a:t>nt</a:t>
-            </a:r>
-            <a:r>
-              <a:rPr lang="it-IT" dirty="0" smtClean="0"/>
-              <a:t> </a:t>
-            </a:r>
-            <a:r>
-              <a:rPr lang="it-CH" dirty="0" err="1" smtClean="0"/>
-              <a:t>buzzer</a:t>
-            </a:r>
-            <a:r>
-              <a:rPr lang="it-CH" dirty="0" smtClean="0"/>
-              <a:t>;</a:t>
-            </a:r>
-            <a:endParaRPr lang="en-US" dirty="0"/>
-          </a:p>
-          <a:p>
-            <a:pPr lvl="0"/>
-            <a:r>
-              <a:rPr lang="it-IT" dirty="0"/>
-              <a:t>3</a:t>
-            </a:r>
-            <a:r>
-              <a:rPr lang="it-IT" dirty="0" smtClean="0"/>
-              <a:t> </a:t>
-            </a:r>
-            <a:r>
-              <a:rPr lang="it-IT" dirty="0"/>
-              <a:t>metodi: </a:t>
-            </a:r>
-            <a:endParaRPr lang="en-US" dirty="0"/>
-          </a:p>
-          <a:p>
-            <a:pPr lvl="1"/>
-            <a:r>
-              <a:rPr lang="en-US" dirty="0" smtClean="0">
-                <a:solidFill>
-                  <a:srgbClr val="0000FF"/>
-                </a:solidFill>
-              </a:rPr>
-              <a:t>void</a:t>
-            </a:r>
-            <a:r>
-              <a:rPr lang="en-US" dirty="0" smtClean="0"/>
-              <a:t> </a:t>
-            </a:r>
-            <a:r>
-              <a:rPr lang="en-US" dirty="0" err="1" smtClean="0"/>
-              <a:t>setPinBuzzer</a:t>
-            </a:r>
-            <a:r>
-              <a:rPr lang="en-US" dirty="0" smtClean="0"/>
-              <a:t>(</a:t>
-            </a:r>
-            <a:r>
-              <a:rPr lang="en-US" dirty="0" smtClean="0">
-                <a:solidFill>
-                  <a:srgbClr val="0000FF"/>
-                </a:solidFill>
-              </a:rPr>
-              <a:t>int</a:t>
-            </a:r>
-            <a:r>
-              <a:rPr lang="en-US" dirty="0" smtClean="0"/>
-              <a:t> </a:t>
-            </a:r>
-            <a:r>
-              <a:rPr lang="en-US" dirty="0" err="1" smtClean="0">
-                <a:solidFill>
-                  <a:srgbClr val="008000"/>
-                </a:solidFill>
-              </a:rPr>
-              <a:t>buzzerPort</a:t>
-            </a:r>
-            <a:r>
-              <a:rPr lang="en-US" dirty="0" smtClean="0"/>
-              <a:t>);</a:t>
-            </a:r>
-            <a:endParaRPr lang="en-US" dirty="0"/>
-          </a:p>
-          <a:p>
-            <a:pPr lvl="1"/>
-            <a:r>
-              <a:rPr lang="en-US" dirty="0">
-                <a:solidFill>
-                  <a:srgbClr val="0000FF"/>
-                </a:solidFill>
-              </a:rPr>
-              <a:t>void</a:t>
-            </a:r>
-            <a:r>
-              <a:rPr lang="en-US" dirty="0"/>
-              <a:t> </a:t>
-            </a:r>
-            <a:r>
-              <a:rPr lang="en-US" dirty="0" err="1" smtClean="0"/>
-              <a:t>setTone</a:t>
-            </a:r>
-            <a:r>
-              <a:rPr lang="en-US" dirty="0" smtClean="0"/>
-              <a:t>(</a:t>
-            </a:r>
-            <a:r>
-              <a:rPr lang="en-US" dirty="0" smtClean="0">
-                <a:solidFill>
-                  <a:srgbClr val="0000FF"/>
-                </a:solidFill>
-              </a:rPr>
-              <a:t>int</a:t>
-            </a:r>
-            <a:r>
-              <a:rPr lang="en-US" dirty="0" smtClean="0"/>
-              <a:t> </a:t>
-            </a:r>
-            <a:r>
-              <a:rPr lang="en-US" dirty="0" smtClean="0">
-                <a:solidFill>
-                  <a:srgbClr val="008000"/>
-                </a:solidFill>
-              </a:rPr>
-              <a:t>frequency</a:t>
-            </a:r>
-            <a:r>
-              <a:rPr lang="en-US" dirty="0" smtClean="0"/>
-              <a:t>);</a:t>
-            </a:r>
-            <a:endParaRPr lang="en-US" dirty="0"/>
-          </a:p>
-          <a:p>
-            <a:pPr lvl="1"/>
-            <a:r>
-              <a:rPr lang="en-US" dirty="0">
-                <a:solidFill>
-                  <a:srgbClr val="0000FF"/>
-                </a:solidFill>
-              </a:rPr>
-              <a:t>void</a:t>
-            </a:r>
-            <a:r>
-              <a:rPr lang="en-US" dirty="0"/>
-              <a:t> </a:t>
-            </a:r>
-            <a:r>
-              <a:rPr lang="en-US" dirty="0" err="1" smtClean="0"/>
-              <a:t>powerOff</a:t>
-            </a:r>
-            <a:r>
-              <a:rPr lang="en-US" dirty="0" smtClean="0"/>
-              <a:t>();</a:t>
-            </a:r>
             <a:endParaRPr lang="en-US" dirty="0"/>
           </a:p>
         </p:txBody>
@@ -16292,7 +14820,7 @@
     </p:spTree>
     <p:extLst>
       <p:ext uri="{BB962C8B-B14F-4D97-AF65-F5344CB8AC3E}">
-        <p14:creationId xmlns:p14="http://schemas.microsoft.com/office/powerpoint/2010/main" val="2859389297"/>
+        <p14:creationId xmlns:p14="http://schemas.microsoft.com/office/powerpoint/2010/main" val="3477620390"/>
       </p:ext>
     </p:extLst>
   </p:cSld>

--- a/Presentazione/PROGETTO 2.pptx
+++ b/Presentazione/PROGETTO 2.pptx
@@ -13309,36 +13309,84 @@
             <p:ph type="subTitle" idx="1"/>
           </p:nvPr>
         </p:nvSpPr>
-        <p:spPr/>
+        <p:spPr>
+          <a:xfrm>
+            <a:off x="1154955" y="4777380"/>
+            <a:ext cx="9912736" cy="1381880"/>
+          </a:xfrm>
+        </p:spPr>
         <p:txBody>
-          <a:bodyPr/>
+          <a:bodyPr>
+            <a:normAutofit/>
+          </a:bodyPr>
           <a:lstStyle/>
           <a:p>
             <a:r>
-              <a:rPr lang="it-CH" dirty="0" smtClean="0"/>
-              <a:t>Librerie </a:t>
-            </a:r>
-            <a:r>
-              <a:rPr lang="it-CH" dirty="0" smtClean="0"/>
-              <a:t>per Arduino </a:t>
-            </a:r>
-            <a:r>
-              <a:rPr lang="it-CH" dirty="0" err="1" smtClean="0"/>
+              <a:rPr lang="it-CH" dirty="0" smtClean="0">
+                <a:solidFill>
+                  <a:schemeClr val="bg1">
+                    <a:lumMod val="75000"/>
+                  </a:schemeClr>
+                </a:solidFill>
+              </a:rPr>
+              <a:t>Librerie per Arduino </a:t>
+            </a:r>
+            <a:r>
+              <a:rPr lang="it-CH" dirty="0" err="1" smtClean="0">
+                <a:solidFill>
+                  <a:schemeClr val="bg1">
+                    <a:lumMod val="75000"/>
+                  </a:schemeClr>
+                </a:solidFill>
+              </a:rPr>
               <a:t>DigiSpark</a:t>
             </a:r>
-            <a:endParaRPr lang="it-CH" dirty="0" smtClean="0"/>
+            <a:endParaRPr lang="it-CH" dirty="0" smtClean="0">
+              <a:solidFill>
+                <a:schemeClr val="bg1">
+                  <a:lumMod val="75000"/>
+                </a:schemeClr>
+              </a:solidFill>
+            </a:endParaRPr>
+          </a:p>
+          <a:p>
+            <a:endParaRPr lang="it-CH" dirty="0" smtClean="0">
+              <a:solidFill>
+                <a:schemeClr val="bg1">
+                  <a:lumMod val="75000"/>
+                </a:schemeClr>
+              </a:solidFill>
+            </a:endParaRPr>
           </a:p>
           <a:p>
             <a:pPr algn="r"/>
             <a:r>
-              <a:rPr lang="it-CH" dirty="0" smtClean="0"/>
+              <a:rPr lang="it-CH" sz="1200" dirty="0" smtClean="0">
+                <a:solidFill>
+                  <a:schemeClr val="bg1">
+                    <a:lumMod val="75000"/>
+                  </a:schemeClr>
+                </a:solidFill>
+              </a:rPr>
               <a:t>M. Ruberto &amp; M. </a:t>
             </a:r>
             <a:r>
-              <a:rPr lang="it-CH" dirty="0" err="1" smtClean="0"/>
+              <a:rPr lang="it-CH" sz="1200" dirty="0" err="1" smtClean="0">
+                <a:solidFill>
+                  <a:schemeClr val="bg1">
+                    <a:lumMod val="75000"/>
+                  </a:schemeClr>
+                </a:solidFill>
+              </a:rPr>
               <a:t>ghilardini</a:t>
             </a:r>
-            <a:endParaRPr lang="it-CH" dirty="0"/>
+            <a:endParaRPr lang="it-CH" sz="1200" dirty="0">
+              <a:solidFill>
+                <a:schemeClr val="bg1">
+                  <a:lumMod val="75000"/>
+                </a:schemeClr>
+              </a:solidFill>
+            </a:endParaRPr>
           </a:p>
         </p:txBody>
       </p:sp>
@@ -13352,13 +13400,13 @@
   <p:clrMapOvr>
     <a:masterClrMapping/>
   </p:clrMapOvr>
-  <mc:AlternateContent xmlns:mc="http://schemas.openxmlformats.org/markup-compatibility/2006">
-    <mc:Choice xmlns:p14="http://schemas.microsoft.com/office/powerpoint/2010/main" Requires="p14">
+  <mc:AlternateContent xmlns:mc="http://schemas.openxmlformats.org/markup-compatibility/2006" xmlns:p14="http://schemas.microsoft.com/office/powerpoint/2010/main">
+    <mc:Choice Requires="p14">
       <p:transition spd="med" p14:dur="700">
         <p:fade/>
       </p:transition>
     </mc:Choice>
-    <mc:Fallback>
+    <mc:Fallback xmlns="">
       <p:transition spd="med">
         <p:fade/>
       </p:transition>
@@ -14864,8 +14912,19 @@
           <a:p>
             <a:r>
               <a:rPr lang="it-CH" sz="2400" dirty="0" smtClean="0"/>
-              <a:t>Documentazione dettagliata;</a:t>
-            </a:r>
+              <a:t>Documentazione dettagliata</a:t>
+            </a:r>
+            <a:r>
+              <a:rPr lang="it-CH" sz="2400" dirty="0" smtClean="0"/>
+              <a:t>;</a:t>
+            </a:r>
+          </a:p>
+          <a:p>
+            <a:r>
+              <a:rPr lang="it-CH" sz="2400" dirty="0" smtClean="0"/>
+              <a:t>Ricordo tangibile dell’esperienza;</a:t>
+            </a:r>
+            <a:endParaRPr lang="it-CH" sz="2400" dirty="0" smtClean="0"/>
           </a:p>
           <a:p>
             <a:pPr marL="0" indent="0">
@@ -14984,7 +15043,6 @@
               <a:rPr lang="it-CH" sz="2200" dirty="0" smtClean="0"/>
               <a:t>1 guida d’utilizzo;</a:t>
             </a:r>
-            <a:endParaRPr lang="it-CH" sz="2200" dirty="0" smtClean="0"/>
           </a:p>
         </p:txBody>
       </p:sp>
@@ -15056,7 +15114,7 @@
           </p:cNvPicPr>
           <p:nvPr/>
         </p:nvPicPr>
-        <p:blipFill>
+        <p:blipFill rotWithShape="1">
           <a:blip r:embed="rId2">
             <a:extLst>
               <a:ext uri="{28A0092B-C50C-407E-A947-70E740481C1C}">
@@ -15064,15 +15122,13 @@
               </a:ext>
             </a:extLst>
           </a:blip>
-          <a:srcRect/>
-          <a:stretch>
-            <a:fillRect/>
-          </a:stretch>
+          <a:srcRect l="1174" t="9684" r="4425"/>
+          <a:stretch/>
         </p:blipFill>
         <p:spPr bwMode="auto">
           <a:xfrm>
-            <a:off x="480500" y="2292263"/>
-            <a:ext cx="11239897" cy="4478055"/>
+            <a:off x="483081" y="2286010"/>
+            <a:ext cx="11225235" cy="4278691"/>
           </a:xfrm>
           <a:prstGeom prst="rect">
             <a:avLst/>

--- a/Presentazione/PROGETTO 2.pptx
+++ b/Presentazione/PROGETTO 2.pptx
@@ -14798,9 +14798,8 @@
             </a:r>
           </a:p>
           <a:p>
-            <a:pPr lvl="1"/>
-            <a:r>
-              <a:rPr lang="it-CH" sz="2200" dirty="0" smtClean="0"/>
+            <a:r>
+              <a:rPr lang="it-CH" sz="2400" dirty="0" smtClean="0"/>
               <a:t>Guida;</a:t>
             </a:r>
           </a:p>
@@ -14912,11 +14911,7 @@
           <a:p>
             <a:r>
               <a:rPr lang="it-CH" sz="2400" dirty="0" smtClean="0"/>
-              <a:t>Documentazione dettagliata</a:t>
-            </a:r>
-            <a:r>
-              <a:rPr lang="it-CH" sz="2400" dirty="0" smtClean="0"/>
-              <a:t>;</a:t>
+              <a:t>Documentazione dettagliata;</a:t>
             </a:r>
           </a:p>
           <a:p>
@@ -14924,7 +14919,6 @@
               <a:rPr lang="it-CH" sz="2400" dirty="0" smtClean="0"/>
               <a:t>Ricordo tangibile dell’esperienza;</a:t>
             </a:r>
-            <a:endParaRPr lang="it-CH" sz="2400" dirty="0" smtClean="0"/>
           </a:p>
           <a:p>
             <a:pPr marL="0" indent="0">

--- a/Presentazione/PROGETTO 2.pptx
+++ b/Presentazione/PROGETTO 2.pptx
@@ -13,10 +13,11 @@
     <p:sldId id="266" r:id="rId7"/>
     <p:sldId id="269" r:id="rId8"/>
     <p:sldId id="276" r:id="rId9"/>
-    <p:sldId id="274" r:id="rId10"/>
-    <p:sldId id="263" r:id="rId11"/>
-    <p:sldId id="275" r:id="rId12"/>
-    <p:sldId id="264" r:id="rId13"/>
+    <p:sldId id="277" r:id="rId10"/>
+    <p:sldId id="274" r:id="rId11"/>
+    <p:sldId id="263" r:id="rId12"/>
+    <p:sldId id="275" r:id="rId13"/>
+    <p:sldId id="264" r:id="rId14"/>
   </p:sldIdLst>
   <p:sldSz cx="12192000" cy="6858000"/>
   <p:notesSz cx="6858000" cy="9144000"/>
@@ -13390,7 +13391,7 @@
             <a:spLocks noGrp="1"/>
           </p:cNvSpPr>
           <p:nvPr>
-            <p:ph type="title"/>
+            <p:ph type="ctrTitle"/>
           </p:nvPr>
         </p:nvSpPr>
         <p:spPr/>
@@ -13400,20 +13401,20 @@
           <a:p>
             <a:r>
               <a:rPr lang="it-CH" dirty="0" smtClean="0"/>
-              <a:t>Test</a:t>
-            </a:r>
-            <a:endParaRPr lang="it-CH" dirty="0"/>
+              <a:t>Guida di Utilizzo</a:t>
+            </a:r>
+            <a:endParaRPr lang="en-US" dirty="0"/>
           </a:p>
         </p:txBody>
       </p:sp>
       <p:sp>
         <p:nvSpPr>
-          <p:cNvPr id="3" name="Segnaposto contenuto 2"/>
+          <p:cNvPr id="3" name="Sottotitolo 2"/>
           <p:cNvSpPr>
             <a:spLocks noGrp="1"/>
           </p:cNvSpPr>
           <p:nvPr>
-            <p:ph idx="1"/>
+            <p:ph type="subTitle" idx="1"/>
           </p:nvPr>
         </p:nvSpPr>
         <p:spPr/>
@@ -13421,24 +13422,14 @@
           <a:bodyPr/>
           <a:lstStyle/>
           <a:p>
-            <a:r>
-              <a:rPr lang="it-CH" dirty="0" smtClean="0"/>
-              <a:t>Metodi delle librerie;</a:t>
-            </a:r>
-          </a:p>
-          <a:p>
-            <a:r>
-              <a:rPr lang="it-CH" dirty="0" smtClean="0"/>
-              <a:t>Esempi di implementazione;</a:t>
-            </a:r>
-            <a:endParaRPr lang="it-CH" dirty="0"/>
+            <a:endParaRPr lang="en-US" dirty="0"/>
           </a:p>
         </p:txBody>
       </p:sp>
     </p:spTree>
     <p:extLst>
       <p:ext uri="{BB962C8B-B14F-4D97-AF65-F5344CB8AC3E}">
-        <p14:creationId xmlns:p14="http://schemas.microsoft.com/office/powerpoint/2010/main" val="473207811"/>
+        <p14:creationId xmlns:p14="http://schemas.microsoft.com/office/powerpoint/2010/main" val="3477620390"/>
       </p:ext>
     </p:extLst>
   </p:cSld>
@@ -13479,6 +13470,95 @@
             <a:spLocks noGrp="1"/>
           </p:cNvSpPr>
           <p:nvPr>
+            <p:ph type="title"/>
+          </p:nvPr>
+        </p:nvSpPr>
+        <p:spPr/>
+        <p:txBody>
+          <a:bodyPr/>
+          <a:lstStyle/>
+          <a:p>
+            <a:r>
+              <a:rPr lang="it-CH" dirty="0" smtClean="0"/>
+              <a:t>Test</a:t>
+            </a:r>
+            <a:endParaRPr lang="it-CH" dirty="0"/>
+          </a:p>
+        </p:txBody>
+      </p:sp>
+      <p:sp>
+        <p:nvSpPr>
+          <p:cNvPr id="3" name="Segnaposto contenuto 2"/>
+          <p:cNvSpPr>
+            <a:spLocks noGrp="1"/>
+          </p:cNvSpPr>
+          <p:nvPr>
+            <p:ph idx="1"/>
+          </p:nvPr>
+        </p:nvSpPr>
+        <p:spPr/>
+        <p:txBody>
+          <a:bodyPr/>
+          <a:lstStyle/>
+          <a:p>
+            <a:r>
+              <a:rPr lang="it-CH" dirty="0" smtClean="0"/>
+              <a:t>Metodi delle librerie;</a:t>
+            </a:r>
+          </a:p>
+          <a:p>
+            <a:r>
+              <a:rPr lang="it-CH" dirty="0" smtClean="0"/>
+              <a:t>Esempi di implementazione;</a:t>
+            </a:r>
+            <a:endParaRPr lang="it-CH" dirty="0"/>
+          </a:p>
+        </p:txBody>
+      </p:sp>
+    </p:spTree>
+    <p:extLst>
+      <p:ext uri="{BB962C8B-B14F-4D97-AF65-F5344CB8AC3E}">
+        <p14:creationId xmlns:p14="http://schemas.microsoft.com/office/powerpoint/2010/main" val="473207811"/>
+      </p:ext>
+    </p:extLst>
+  </p:cSld>
+  <p:clrMapOvr>
+    <a:masterClrMapping/>
+  </p:clrMapOvr>
+  <p:timing>
+    <p:tnLst>
+      <p:par>
+        <p:cTn id="1" dur="indefinite" restart="never" nodeType="tmRoot"/>
+      </p:par>
+    </p:tnLst>
+  </p:timing>
+</p:sld>
+</file>
+
+<file path=ppt/slides/slide12.xml><?xml version="1.0" encoding="utf-8"?>
+<p:sld xmlns:a="http://schemas.openxmlformats.org/drawingml/2006/main" xmlns:r="http://schemas.openxmlformats.org/officeDocument/2006/relationships" xmlns:p="http://schemas.openxmlformats.org/presentationml/2006/main">
+  <p:cSld>
+    <p:spTree>
+      <p:nvGrpSpPr>
+        <p:cNvPr id="1" name=""/>
+        <p:cNvGrpSpPr/>
+        <p:nvPr/>
+      </p:nvGrpSpPr>
+      <p:grpSpPr>
+        <a:xfrm>
+          <a:off x="0" y="0"/>
+          <a:ext cx="0" cy="0"/>
+          <a:chOff x="0" y="0"/>
+          <a:chExt cx="0" cy="0"/>
+        </a:xfrm>
+      </p:grpSpPr>
+      <p:sp>
+        <p:nvSpPr>
+          <p:cNvPr id="2" name="Titolo 1"/>
+          <p:cNvSpPr>
+            <a:spLocks noGrp="1"/>
+          </p:cNvSpPr>
+          <p:nvPr>
             <p:ph type="ctrTitle"/>
           </p:nvPr>
         </p:nvSpPr>
@@ -13534,7 +13614,7 @@
 </p:sld>
 </file>
 
-<file path=ppt/slides/slide12.xml><?xml version="1.0" encoding="utf-8"?>
+<file path=ppt/slides/slide13.xml><?xml version="1.0" encoding="utf-8"?>
 <p:sld xmlns:a="http://schemas.openxmlformats.org/drawingml/2006/main" xmlns:r="http://schemas.openxmlformats.org/officeDocument/2006/relationships" xmlns:p="http://schemas.openxmlformats.org/presentationml/2006/main">
   <p:cSld>
     <p:spTree>
@@ -13679,7 +13759,7 @@
         <p:spPr/>
         <p:txBody>
           <a:bodyPr>
-            <a:normAutofit fontScale="92500" lnSpcReduction="10000"/>
+            <a:normAutofit/>
           </a:bodyPr>
           <a:lstStyle/>
           <a:p>
@@ -13707,23 +13787,13 @@
             </a:r>
           </a:p>
           <a:p>
-            <a:pPr lvl="1"/>
-            <a:r>
-              <a:rPr lang="it-CH" sz="2200" dirty="0" smtClean="0"/>
-              <a:t>Librerie varie;</a:t>
-            </a:r>
-          </a:p>
-          <a:p>
-            <a:pPr lvl="1"/>
-            <a:r>
-              <a:rPr lang="it-CH" sz="2200" dirty="0" smtClean="0"/>
-              <a:t>Guida;</a:t>
-            </a:r>
-          </a:p>
-          <a:p>
             <a:r>
               <a:rPr lang="it-CH" sz="2400" dirty="0" smtClean="0"/>
-              <a:t>Test;</a:t>
+              <a:t>Test</a:t>
+            </a:r>
+            <a:r>
+              <a:rPr lang="it-CH" sz="2400" dirty="0" smtClean="0"/>
+              <a:t>;</a:t>
             </a:r>
           </a:p>
           <a:p>
@@ -14198,7 +14268,11 @@
           <a:p>
             <a:r>
               <a:rPr lang="it-CH" dirty="0" smtClean="0"/>
-              <a:t>Libreria Led RGB</a:t>
+              <a:t>Libreria Led </a:t>
+            </a:r>
+            <a:r>
+              <a:rPr lang="it-CH" dirty="0" smtClean="0"/>
+              <a:t>RGB</a:t>
             </a:r>
             <a:endParaRPr lang="en-US" dirty="0"/>
           </a:p>
@@ -14228,49 +14302,15 @@
           <a:p>
             <a:pPr lvl="0"/>
             <a:r>
-              <a:rPr lang="it-IT" dirty="0"/>
-              <a:t>3 attributi</a:t>
-            </a:r>
-            <a:r>
               <a:rPr lang="it-IT" dirty="0" smtClean="0"/>
-              <a:t>:</a:t>
-            </a:r>
+              <a:t>Attributi:</a:t>
+            </a:r>
+            <a:endParaRPr lang="it-IT" dirty="0" smtClean="0"/>
           </a:p>
           <a:p>
             <a:pPr lvl="1"/>
             <a:r>
-              <a:rPr lang="it-IT" dirty="0">
-                <a:solidFill>
-                  <a:srgbClr val="0000FF"/>
-                </a:solidFill>
-              </a:rPr>
-              <a:t>i</a:t>
-            </a:r>
-            <a:r>
-              <a:rPr lang="it-IT" dirty="0" smtClean="0">
-                <a:solidFill>
-                  <a:srgbClr val="0000FF"/>
-                </a:solidFill>
-              </a:rPr>
-              <a:t>nt</a:t>
-            </a:r>
-            <a:r>
-              <a:rPr lang="it-IT" dirty="0" smtClean="0"/>
-              <a:t> </a:t>
-            </a:r>
-            <a:r>
-              <a:rPr lang="it-IT" dirty="0" err="1" smtClean="0"/>
-              <a:t>pinRed</a:t>
-            </a:r>
-            <a:r>
-              <a:rPr lang="it-IT" dirty="0" smtClean="0"/>
-              <a:t>;</a:t>
-            </a:r>
-          </a:p>
-          <a:p>
-            <a:pPr lvl="1"/>
-            <a:r>
-              <a:rPr lang="it-IT" dirty="0">
+              <a:rPr lang="it-IT" dirty="0" err="1" smtClean="0">
                 <a:solidFill>
                   <a:srgbClr val="0000FF"/>
                 </a:solidFill>
@@ -14278,12 +14318,12 @@
               <a:t>int</a:t>
             </a:r>
             <a:r>
-              <a:rPr lang="it-IT" dirty="0"/>
+              <a:rPr lang="it-IT" dirty="0" smtClean="0"/>
               <a:t> </a:t>
             </a:r>
             <a:r>
               <a:rPr lang="it-IT" dirty="0" err="1" smtClean="0"/>
-              <a:t>pinGreen</a:t>
+              <a:t>pinRed</a:t>
             </a:r>
             <a:r>
               <a:rPr lang="it-IT" dirty="0" smtClean="0"/>
@@ -14293,7 +14333,7 @@
           <a:p>
             <a:pPr lvl="1"/>
             <a:r>
-              <a:rPr lang="it-IT" dirty="0">
+              <a:rPr lang="it-IT" dirty="0" err="1" smtClean="0">
                 <a:solidFill>
                   <a:srgbClr val="0000FF"/>
                 </a:solidFill>
@@ -14301,44 +14341,59 @@
               <a:t>int</a:t>
             </a:r>
             <a:r>
-              <a:rPr lang="it-IT" dirty="0"/>
+              <a:rPr lang="it-IT" dirty="0" smtClean="0"/>
               <a:t> </a:t>
             </a:r>
             <a:r>
               <a:rPr lang="it-IT" dirty="0" err="1" smtClean="0"/>
-              <a:t>pinBlue</a:t>
+              <a:t>pinGreen</a:t>
             </a:r>
             <a:r>
               <a:rPr lang="it-IT" dirty="0" smtClean="0"/>
               <a:t>;</a:t>
             </a:r>
-            <a:endParaRPr lang="en-US" dirty="0"/>
-          </a:p>
-          <a:p>
-            <a:pPr lvl="0"/>
-            <a:r>
-              <a:rPr lang="it-IT" dirty="0"/>
-              <a:t>5 metodi: </a:t>
-            </a:r>
-            <a:endParaRPr lang="en-US" dirty="0"/>
           </a:p>
           <a:p>
             <a:pPr lvl="1"/>
             <a:r>
-              <a:rPr lang="en-US" dirty="0">
+              <a:rPr lang="it-IT" dirty="0" err="1" smtClean="0">
                 <a:solidFill>
                   <a:srgbClr val="0000FF"/>
                 </a:solidFill>
               </a:rPr>
-              <a:t>v</a:t>
-            </a:r>
+              <a:t>int</a:t>
+            </a:r>
+            <a:r>
+              <a:rPr lang="it-IT" dirty="0" smtClean="0"/>
+              <a:t> </a:t>
+            </a:r>
+            <a:r>
+              <a:rPr lang="it-IT" dirty="0" err="1" smtClean="0"/>
+              <a:t>pinBlue</a:t>
+            </a:r>
+            <a:r>
+              <a:rPr lang="it-IT" dirty="0" smtClean="0"/>
+              <a:t>;</a:t>
+            </a:r>
+            <a:endParaRPr lang="en-US" dirty="0"/>
+          </a:p>
+          <a:p>
+            <a:pPr lvl="0"/>
+            <a:r>
+              <a:rPr lang="it-IT" dirty="0" smtClean="0"/>
+              <a:t>Metodi: </a:t>
+            </a:r>
+            <a:endParaRPr lang="en-US" dirty="0"/>
+          </a:p>
+          <a:p>
+            <a:pPr lvl="1"/>
             <a:r>
               <a:rPr lang="en-US" dirty="0" smtClean="0">
                 <a:solidFill>
                   <a:srgbClr val="0000FF"/>
                 </a:solidFill>
               </a:rPr>
-              <a:t>oid</a:t>
+              <a:t>void</a:t>
             </a:r>
             <a:r>
               <a:rPr lang="en-US" dirty="0" smtClean="0"/>
@@ -14353,7 +14408,7 @@
               <a:t>(</a:t>
             </a:r>
             <a:r>
-              <a:rPr lang="en-US" dirty="0" smtClean="0">
+              <a:rPr lang="en-US" dirty="0" err="1" smtClean="0">
                 <a:solidFill>
                   <a:srgbClr val="0000FF"/>
                 </a:solidFill>
@@ -14428,7 +14483,7 @@
           <a:p>
             <a:pPr lvl="1"/>
             <a:r>
-              <a:rPr lang="en-US" dirty="0">
+              <a:rPr lang="en-US" dirty="0" smtClean="0">
                 <a:solidFill>
                   <a:srgbClr val="0000FF"/>
                 </a:solidFill>
@@ -14436,7 +14491,7 @@
               <a:t>void</a:t>
             </a:r>
             <a:r>
-              <a:rPr lang="en-US" dirty="0"/>
+              <a:rPr lang="en-US" dirty="0" smtClean="0"/>
               <a:t> </a:t>
             </a:r>
             <a:r>
@@ -14448,7 +14503,7 @@
               <a:t>(</a:t>
             </a:r>
             <a:r>
-              <a:rPr lang="en-US" dirty="0" smtClean="0">
+              <a:rPr lang="en-US" dirty="0" err="1" smtClean="0">
                 <a:solidFill>
                   <a:srgbClr val="0000FF"/>
                 </a:solidFill>
@@ -14519,7 +14574,7 @@
           <a:p>
             <a:pPr lvl="1"/>
             <a:r>
-              <a:rPr lang="en-US" dirty="0">
+              <a:rPr lang="en-US" dirty="0" smtClean="0">
                 <a:solidFill>
                   <a:srgbClr val="0000FF"/>
                 </a:solidFill>
@@ -14527,7 +14582,7 @@
               <a:t>void</a:t>
             </a:r>
             <a:r>
-              <a:rPr lang="en-US" dirty="0"/>
+              <a:rPr lang="en-US" dirty="0" smtClean="0"/>
               <a:t> </a:t>
             </a:r>
             <a:r>
@@ -14539,7 +14594,7 @@
               <a:t>(</a:t>
             </a:r>
             <a:r>
-              <a:rPr lang="en-US" dirty="0" smtClean="0">
+              <a:rPr lang="en-US" dirty="0" err="1" smtClean="0">
                 <a:solidFill>
                   <a:srgbClr val="0000FF"/>
                 </a:solidFill>
@@ -14566,7 +14621,7 @@
           <a:p>
             <a:pPr lvl="1"/>
             <a:r>
-              <a:rPr lang="en-US" dirty="0">
+              <a:rPr lang="en-US" dirty="0" smtClean="0">
                 <a:solidFill>
                   <a:srgbClr val="0000FF"/>
                 </a:solidFill>
@@ -14574,7 +14629,7 @@
               <a:t>void</a:t>
             </a:r>
             <a:r>
-              <a:rPr lang="en-US" dirty="0"/>
+              <a:rPr lang="en-US" dirty="0" smtClean="0"/>
               <a:t> </a:t>
             </a:r>
             <a:r>
@@ -14586,7 +14641,7 @@
               <a:t>(</a:t>
             </a:r>
             <a:r>
-              <a:rPr lang="en-US" dirty="0" smtClean="0">
+              <a:rPr lang="en-US" dirty="0" err="1" smtClean="0">
                 <a:solidFill>
                   <a:srgbClr val="0000FF"/>
                 </a:solidFill>
@@ -14712,10 +14767,9 @@
           <a:lstStyle/>
           <a:p>
             <a:r>
-              <a:rPr lang="it-CH" dirty="0" smtClean="0"/>
-              <a:t>Esempio 3, RGB e Potenziometro</a:t>
-            </a:r>
-            <a:endParaRPr lang="it-CH" dirty="0"/>
+              <a:rPr lang="it-CH" dirty="0"/>
+              <a:t>Libreria Led RGB</a:t>
+            </a:r>
           </a:p>
         </p:txBody>
       </p:sp>
@@ -14729,19 +14783,60 @@
             <p:ph idx="1"/>
           </p:nvPr>
         </p:nvSpPr>
-        <p:spPr/>
+        <p:spPr>
+          <a:xfrm>
+            <a:off x="1154954" y="2603500"/>
+            <a:ext cx="8825659" cy="436262"/>
+          </a:xfrm>
+        </p:spPr>
         <p:txBody>
           <a:bodyPr/>
           <a:lstStyle/>
           <a:p>
+            <a:r>
+              <a:rPr lang="it-CH" dirty="0" smtClean="0"/>
+              <a:t>Implementazione metodo </a:t>
+            </a:r>
+            <a:r>
+              <a:rPr lang="it-CH" dirty="0" err="1" smtClean="0"/>
+              <a:t>setRed</a:t>
+            </a:r>
+            <a:r>
+              <a:rPr lang="it-CH" dirty="0" smtClean="0"/>
+              <a:t>():</a:t>
+            </a:r>
             <a:endParaRPr lang="it-CH" dirty="0"/>
           </a:p>
         </p:txBody>
       </p:sp>
+      <p:pic>
+        <p:nvPicPr>
+          <p:cNvPr id="5" name="Immagine 4"/>
+          <p:cNvPicPr>
+            <a:picLocks noChangeAspect="1"/>
+          </p:cNvPicPr>
+          <p:nvPr/>
+        </p:nvPicPr>
+        <p:blipFill>
+          <a:blip r:embed="rId2"/>
+          <a:stretch>
+            <a:fillRect/>
+          </a:stretch>
+        </p:blipFill>
+        <p:spPr>
+          <a:xfrm>
+            <a:off x="1577802" y="3328087"/>
+            <a:ext cx="5377841" cy="1515762"/>
+          </a:xfrm>
+          <a:prstGeom prst="rect">
+            <a:avLst/>
+          </a:prstGeom>
+        </p:spPr>
+      </p:pic>
     </p:spTree>
     <p:extLst>
       <p:ext uri="{BB962C8B-B14F-4D97-AF65-F5344CB8AC3E}">
-        <p14:creationId xmlns:p14="http://schemas.microsoft.com/office/powerpoint/2010/main" val="4194786300"/>
+        <p14:creationId xmlns:p14="http://schemas.microsoft.com/office/powerpoint/2010/main" val="2995439326"/>
       </p:ext>
     </p:extLst>
   </p:cSld>
@@ -14782,7 +14877,7 @@
             <a:spLocks noGrp="1"/>
           </p:cNvSpPr>
           <p:nvPr>
-            <p:ph type="ctrTitle"/>
+            <p:ph type="title"/>
           </p:nvPr>
         </p:nvSpPr>
         <p:spPr/>
@@ -14791,36 +14886,140 @@
           <a:lstStyle/>
           <a:p>
             <a:r>
-              <a:rPr lang="it-CH" dirty="0" smtClean="0"/>
-              <a:t>Guida di Utilizzo</a:t>
-            </a:r>
-            <a:endParaRPr lang="en-US" dirty="0"/>
+              <a:rPr lang="it-CH" dirty="0"/>
+              <a:t>Libreria Led RGB</a:t>
+            </a:r>
           </a:p>
         </p:txBody>
       </p:sp>
       <p:sp>
         <p:nvSpPr>
-          <p:cNvPr id="3" name="Sottotitolo 2"/>
+          <p:cNvPr id="3" name="Segnaposto contenuto 2"/>
           <p:cNvSpPr>
             <a:spLocks noGrp="1"/>
           </p:cNvSpPr>
           <p:nvPr>
-            <p:ph type="subTitle" idx="1"/>
+            <p:ph idx="1"/>
           </p:nvPr>
         </p:nvSpPr>
-        <p:spPr/>
+        <p:spPr>
+          <a:xfrm>
+            <a:off x="1154954" y="2603500"/>
+            <a:ext cx="8825659" cy="452738"/>
+          </a:xfrm>
+        </p:spPr>
         <p:txBody>
           <a:bodyPr/>
           <a:lstStyle/>
           <a:p>
-            <a:endParaRPr lang="en-US" dirty="0"/>
+            <a:r>
+              <a:rPr lang="it-CH" dirty="0" smtClean="0"/>
+              <a:t>Utilizzo della libreria RGB:</a:t>
+            </a:r>
+            <a:endParaRPr lang="it-CH" dirty="0"/>
           </a:p>
         </p:txBody>
       </p:sp>
+      <p:pic>
+        <p:nvPicPr>
+          <p:cNvPr id="4" name="Immagine 3"/>
+          <p:cNvPicPr>
+            <a:picLocks noChangeAspect="1"/>
+          </p:cNvPicPr>
+          <p:nvPr/>
+        </p:nvPicPr>
+        <p:blipFill>
+          <a:blip r:embed="rId2"/>
+          <a:stretch>
+            <a:fillRect/>
+          </a:stretch>
+        </p:blipFill>
+        <p:spPr>
+          <a:xfrm>
+            <a:off x="1567892" y="3129606"/>
+            <a:ext cx="3190875" cy="285750"/>
+          </a:xfrm>
+          <a:prstGeom prst="rect">
+            <a:avLst/>
+          </a:prstGeom>
+        </p:spPr>
+      </p:pic>
+      <p:pic>
+        <p:nvPicPr>
+          <p:cNvPr id="5" name="Immagine 4"/>
+          <p:cNvPicPr>
+            <a:picLocks noChangeAspect="1"/>
+          </p:cNvPicPr>
+          <p:nvPr/>
+        </p:nvPicPr>
+        <p:blipFill>
+          <a:blip r:embed="rId3"/>
+          <a:stretch>
+            <a:fillRect/>
+          </a:stretch>
+        </p:blipFill>
+        <p:spPr>
+          <a:xfrm>
+            <a:off x="1567892" y="3944557"/>
+            <a:ext cx="3381375" cy="266700"/>
+          </a:xfrm>
+          <a:prstGeom prst="rect">
+            <a:avLst/>
+          </a:prstGeom>
+        </p:spPr>
+      </p:pic>
+      <p:pic>
+        <p:nvPicPr>
+          <p:cNvPr id="6" name="Immagine 5"/>
+          <p:cNvPicPr>
+            <a:picLocks noChangeAspect="1"/>
+          </p:cNvPicPr>
+          <p:nvPr/>
+        </p:nvPicPr>
+        <p:blipFill>
+          <a:blip r:embed="rId4"/>
+          <a:stretch>
+            <a:fillRect/>
+          </a:stretch>
+        </p:blipFill>
+        <p:spPr>
+          <a:xfrm>
+            <a:off x="1567892" y="3532319"/>
+            <a:ext cx="3124200" cy="295275"/>
+          </a:xfrm>
+          <a:prstGeom prst="rect">
+            <a:avLst/>
+          </a:prstGeom>
+        </p:spPr>
+      </p:pic>
+      <p:pic>
+        <p:nvPicPr>
+          <p:cNvPr id="8" name="Immagine 7"/>
+          <p:cNvPicPr>
+            <a:picLocks noChangeAspect="1"/>
+          </p:cNvPicPr>
+          <p:nvPr/>
+        </p:nvPicPr>
+        <p:blipFill>
+          <a:blip r:embed="rId5"/>
+          <a:stretch>
+            <a:fillRect/>
+          </a:stretch>
+        </p:blipFill>
+        <p:spPr>
+          <a:xfrm>
+            <a:off x="1567892" y="4368779"/>
+            <a:ext cx="2800350" cy="238125"/>
+          </a:xfrm>
+          <a:prstGeom prst="rect">
+            <a:avLst/>
+          </a:prstGeom>
+        </p:spPr>
+      </p:pic>
     </p:spTree>
     <p:extLst>
       <p:ext uri="{BB962C8B-B14F-4D97-AF65-F5344CB8AC3E}">
-        <p14:creationId xmlns:p14="http://schemas.microsoft.com/office/powerpoint/2010/main" val="3477620390"/>
+        <p14:creationId xmlns:p14="http://schemas.microsoft.com/office/powerpoint/2010/main" val="1791598648"/>
       </p:ext>
     </p:extLst>
   </p:cSld>
